--- a/Presentación1.pptx
+++ b/Presentación1.pptx
@@ -6,15 +6,18 @@
   </p:sldMasterIdLst>
   <p:sldIdLst>
     <p:sldId id="256" r:id="rId2"/>
-    <p:sldId id="257" r:id="rId3"/>
-    <p:sldId id="259" r:id="rId4"/>
-    <p:sldId id="260" r:id="rId5"/>
-    <p:sldId id="261" r:id="rId6"/>
-    <p:sldId id="262" r:id="rId7"/>
-    <p:sldId id="263" r:id="rId8"/>
-    <p:sldId id="264" r:id="rId9"/>
-    <p:sldId id="265" r:id="rId10"/>
-    <p:sldId id="267" r:id="rId11"/>
+    <p:sldId id="270" r:id="rId3"/>
+    <p:sldId id="257" r:id="rId4"/>
+    <p:sldId id="269" r:id="rId5"/>
+    <p:sldId id="268" r:id="rId6"/>
+    <p:sldId id="259" r:id="rId7"/>
+    <p:sldId id="260" r:id="rId8"/>
+    <p:sldId id="261" r:id="rId9"/>
+    <p:sldId id="262" r:id="rId10"/>
+    <p:sldId id="263" r:id="rId11"/>
+    <p:sldId id="264" r:id="rId12"/>
+    <p:sldId id="265" r:id="rId13"/>
+    <p:sldId id="267" r:id="rId14"/>
   </p:sldIdLst>
   <p:sldSz cx="12192000" cy="6858000"/>
   <p:notesSz cx="6858000" cy="9144000"/>
@@ -113,6 +116,11 @@
       </a:defRPr>
     </a:lvl9pPr>
   </p:defaultTextStyle>
+  <p:extLst>
+    <p:ext uri="{EFAFB233-063F-42B5-8137-9DF3F51BA10A}">
+      <p15:sldGuideLst xmlns:p15="http://schemas.microsoft.com/office/powerpoint/2012/main"/>
+    </p:ext>
+  </p:extLst>
 </p:presentation>
 </file>
 
@@ -7787,8 +7795,8 @@
         </p:nvSpPr>
         <p:spPr>
           <a:xfrm>
-            <a:off x="4135370" y="130814"/>
-            <a:ext cx="3492981" cy="723427"/>
+            <a:off x="4027087" y="0"/>
+            <a:ext cx="4849310" cy="723427"/>
           </a:xfrm>
         </p:spPr>
         <p:txBody>
@@ -7797,26 +7805,171 @@
           <a:p>
             <a:r>
               <a:rPr lang="es-CO" dirty="0" smtClean="0"/>
-              <a:t>PROYECCIÓN</a:t>
+              <a:t>Puntos de atención</a:t>
             </a:r>
             <a:endParaRPr lang="es-CO" dirty="0"/>
           </a:p>
         </p:txBody>
       </p:sp>
-      <p:sp>
-        <p:nvSpPr>
-          <p:cNvPr id="3" name="Marcador de contenido 2"/>
-          <p:cNvSpPr>
-            <a:spLocks noGrp="1"/>
-          </p:cNvSpPr>
-          <p:nvPr>
-            <p:ph idx="1"/>
-          </p:nvPr>
-        </p:nvSpPr>
+      <p:pic>
+        <p:nvPicPr>
+          <p:cNvPr id="5" name="Imagen 4"/>
+          <p:cNvPicPr>
+            <a:picLocks noChangeAspect="1"/>
+          </p:cNvPicPr>
+          <p:nvPr/>
+        </p:nvPicPr>
+        <p:blipFill>
+          <a:blip r:embed="rId2">
+            <a:extLst>
+              <a:ext uri="{28A0092B-C50C-407E-A947-70E740481C1C}">
+                <a14:useLocalDpi xmlns:a14="http://schemas.microsoft.com/office/drawing/2010/main" val="0"/>
+              </a:ext>
+            </a:extLst>
+          </a:blip>
+          <a:stretch>
+            <a:fillRect/>
+          </a:stretch>
+        </p:blipFill>
         <p:spPr>
           <a:xfrm>
-            <a:off x="1094415" y="1900224"/>
-            <a:ext cx="5186069" cy="3826807"/>
+            <a:off x="2130054" y="758942"/>
+            <a:ext cx="3585349" cy="5975581"/>
+          </a:xfrm>
+          <a:prstGeom prst="rect">
+            <a:avLst/>
+          </a:prstGeom>
+          <a:ln>
+            <a:noFill/>
+          </a:ln>
+          <a:effectLst>
+            <a:outerShdw blurRad="292100" dist="139700" dir="2700000" algn="tl" rotWithShape="0">
+              <a:srgbClr val="333333">
+                <a:alpha val="65000"/>
+              </a:srgbClr>
+            </a:outerShdw>
+          </a:effectLst>
+        </p:spPr>
+      </p:pic>
+      <p:pic>
+        <p:nvPicPr>
+          <p:cNvPr id="6" name="Imagen 5"/>
+          <p:cNvPicPr>
+            <a:picLocks noChangeAspect="1"/>
+          </p:cNvPicPr>
+          <p:nvPr/>
+        </p:nvPicPr>
+        <p:blipFill>
+          <a:blip r:embed="rId3">
+            <a:extLst>
+              <a:ext uri="{28A0092B-C50C-407E-A947-70E740481C1C}">
+                <a14:useLocalDpi xmlns:a14="http://schemas.microsoft.com/office/drawing/2010/main" val="0"/>
+              </a:ext>
+            </a:extLst>
+          </a:blip>
+          <a:stretch>
+            <a:fillRect/>
+          </a:stretch>
+        </p:blipFill>
+        <p:spPr>
+          <a:xfrm>
+            <a:off x="7403720" y="723427"/>
+            <a:ext cx="3606658" cy="6011096"/>
+          </a:xfrm>
+          <a:prstGeom prst="rect">
+            <a:avLst/>
+          </a:prstGeom>
+          <a:ln>
+            <a:noFill/>
+          </a:ln>
+          <a:effectLst>
+            <a:outerShdw blurRad="292100" dist="139700" dir="2700000" algn="tl" rotWithShape="0">
+              <a:srgbClr val="333333">
+                <a:alpha val="65000"/>
+              </a:srgbClr>
+            </a:outerShdw>
+          </a:effectLst>
+        </p:spPr>
+      </p:pic>
+    </p:spTree>
+    <p:extLst>
+      <p:ext uri="{BB962C8B-B14F-4D97-AF65-F5344CB8AC3E}">
+        <p14:creationId xmlns:p14="http://schemas.microsoft.com/office/powerpoint/2010/main" val="2196465921"/>
+      </p:ext>
+    </p:extLst>
+  </p:cSld>
+  <p:clrMapOvr>
+    <a:masterClrMapping/>
+  </p:clrMapOvr>
+  <p:timing>
+    <p:tnLst>
+      <p:par>
+        <p:cTn id="1" dur="indefinite" restart="never" nodeType="tmRoot"/>
+      </p:par>
+    </p:tnLst>
+  </p:timing>
+</p:sld>
+</file>
+
+<file path=ppt/slides/slide11.xml><?xml version="1.0" encoding="utf-8"?>
+<p:sld xmlns:a="http://schemas.openxmlformats.org/drawingml/2006/main" xmlns:r="http://schemas.openxmlformats.org/officeDocument/2006/relationships" xmlns:p="http://schemas.openxmlformats.org/presentationml/2006/main">
+  <p:cSld>
+    <p:spTree>
+      <p:nvGrpSpPr>
+        <p:cNvPr id="1" name=""/>
+        <p:cNvGrpSpPr/>
+        <p:nvPr/>
+      </p:nvGrpSpPr>
+      <p:grpSpPr>
+        <a:xfrm>
+          <a:off x="0" y="0"/>
+          <a:ext cx="0" cy="0"/>
+          <a:chOff x="0" y="0"/>
+          <a:chExt cx="0" cy="0"/>
+        </a:xfrm>
+      </p:grpSpPr>
+      <p:sp>
+        <p:nvSpPr>
+          <p:cNvPr id="2" name="Título 1"/>
+          <p:cNvSpPr>
+            <a:spLocks noGrp="1"/>
+          </p:cNvSpPr>
+          <p:nvPr>
+            <p:ph type="title"/>
+          </p:nvPr>
+        </p:nvSpPr>
+        <p:spPr>
+          <a:xfrm>
+            <a:off x="1729055" y="106752"/>
+            <a:ext cx="8911687" cy="723427"/>
+          </a:xfrm>
+        </p:spPr>
+        <p:txBody>
+          <a:bodyPr/>
+          <a:lstStyle/>
+          <a:p>
+            <a:r>
+              <a:rPr lang="es-CO" dirty="0" smtClean="0"/>
+              <a:t>Noticias y Eventos</a:t>
+            </a:r>
+            <a:endParaRPr lang="es-CO" dirty="0"/>
+          </a:p>
+        </p:txBody>
+      </p:sp>
+      <p:sp>
+        <p:nvSpPr>
+          <p:cNvPr id="3" name="Marcador de contenido 2"/>
+          <p:cNvSpPr>
+            <a:spLocks noGrp="1"/>
+          </p:cNvSpPr>
+          <p:nvPr>
+            <p:ph idx="1"/>
+          </p:nvPr>
+        </p:nvSpPr>
+        <p:spPr>
+          <a:xfrm>
+            <a:off x="1729055" y="1900225"/>
+            <a:ext cx="4705136" cy="1544433"/>
           </a:xfrm>
         </p:spPr>
         <p:txBody>
@@ -7826,10 +7979,290 @@
           <a:lstStyle/>
           <a:p>
             <a:r>
-              <a:rPr lang="es-CO" sz="2400" dirty="0" smtClean="0"/>
-              <a:t>Formar un sistema de información general que involucre esta aplicación, la solución desarrollada para la comunicación por mensajes de texto y la aplicación desarrollada en el reto SÚMATE y lograr de esta forma una solución integral para todas las victimas del país.</a:t>
-            </a:r>
-            <a:endParaRPr lang="es-CO" sz="2400" dirty="0"/>
+              <a:rPr lang="es-CO" sz="3200" dirty="0" smtClean="0"/>
+              <a:t>Lista de últimos acontecimientos</a:t>
+            </a:r>
+            <a:endParaRPr lang="es-CO" sz="3200" dirty="0"/>
+          </a:p>
+        </p:txBody>
+      </p:sp>
+      <p:pic>
+        <p:nvPicPr>
+          <p:cNvPr id="4" name="Imagen 3"/>
+          <p:cNvPicPr>
+            <a:picLocks noChangeAspect="1"/>
+          </p:cNvPicPr>
+          <p:nvPr/>
+        </p:nvPicPr>
+        <p:blipFill>
+          <a:blip r:embed="rId2">
+            <a:extLst>
+              <a:ext uri="{28A0092B-C50C-407E-A947-70E740481C1C}">
+                <a14:useLocalDpi xmlns:a14="http://schemas.microsoft.com/office/drawing/2010/main" val="0"/>
+              </a:ext>
+            </a:extLst>
+          </a:blip>
+          <a:stretch>
+            <a:fillRect/>
+          </a:stretch>
+        </p:blipFill>
+        <p:spPr>
+          <a:xfrm>
+            <a:off x="6985018" y="557079"/>
+            <a:ext cx="3465095" cy="5775158"/>
+          </a:xfrm>
+          <a:prstGeom prst="rect">
+            <a:avLst/>
+          </a:prstGeom>
+          <a:ln>
+            <a:noFill/>
+          </a:ln>
+          <a:effectLst>
+            <a:outerShdw blurRad="292100" dist="139700" dir="2700000" algn="tl" rotWithShape="0">
+              <a:srgbClr val="333333">
+                <a:alpha val="65000"/>
+              </a:srgbClr>
+            </a:outerShdw>
+          </a:effectLst>
+        </p:spPr>
+      </p:pic>
+    </p:spTree>
+    <p:extLst>
+      <p:ext uri="{BB962C8B-B14F-4D97-AF65-F5344CB8AC3E}">
+        <p14:creationId xmlns:p14="http://schemas.microsoft.com/office/powerpoint/2010/main" val="709107406"/>
+      </p:ext>
+    </p:extLst>
+  </p:cSld>
+  <p:clrMapOvr>
+    <a:masterClrMapping/>
+  </p:clrMapOvr>
+  <p:timing>
+    <p:tnLst>
+      <p:par>
+        <p:cTn id="1" dur="indefinite" restart="never" nodeType="tmRoot"/>
+      </p:par>
+    </p:tnLst>
+  </p:timing>
+</p:sld>
+</file>
+
+<file path=ppt/slides/slide12.xml><?xml version="1.0" encoding="utf-8"?>
+<p:sld xmlns:a="http://schemas.openxmlformats.org/drawingml/2006/main" xmlns:r="http://schemas.openxmlformats.org/officeDocument/2006/relationships" xmlns:p="http://schemas.openxmlformats.org/presentationml/2006/main">
+  <p:cSld>
+    <p:spTree>
+      <p:nvGrpSpPr>
+        <p:cNvPr id="1" name=""/>
+        <p:cNvGrpSpPr/>
+        <p:nvPr/>
+      </p:nvGrpSpPr>
+      <p:grpSpPr>
+        <a:xfrm>
+          <a:off x="0" y="0"/>
+          <a:ext cx="0" cy="0"/>
+          <a:chOff x="0" y="0"/>
+          <a:chExt cx="0" cy="0"/>
+        </a:xfrm>
+      </p:grpSpPr>
+      <p:sp>
+        <p:nvSpPr>
+          <p:cNvPr id="2" name="Título 1"/>
+          <p:cNvSpPr>
+            <a:spLocks noGrp="1"/>
+          </p:cNvSpPr>
+          <p:nvPr>
+            <p:ph type="title"/>
+          </p:nvPr>
+        </p:nvSpPr>
+        <p:spPr>
+          <a:xfrm>
+            <a:off x="1729055" y="106752"/>
+            <a:ext cx="8911687" cy="723427"/>
+          </a:xfrm>
+        </p:spPr>
+        <p:txBody>
+          <a:bodyPr/>
+          <a:lstStyle/>
+          <a:p>
+            <a:r>
+              <a:rPr lang="es-CO" dirty="0" smtClean="0"/>
+              <a:t>Acerca de</a:t>
+            </a:r>
+            <a:endParaRPr lang="es-CO" dirty="0"/>
+          </a:p>
+        </p:txBody>
+      </p:sp>
+      <p:sp>
+        <p:nvSpPr>
+          <p:cNvPr id="3" name="Marcador de contenido 2"/>
+          <p:cNvSpPr>
+            <a:spLocks noGrp="1"/>
+          </p:cNvSpPr>
+          <p:nvPr>
+            <p:ph idx="1"/>
+          </p:nvPr>
+        </p:nvSpPr>
+        <p:spPr>
+          <a:xfrm>
+            <a:off x="1557878" y="2012959"/>
+            <a:ext cx="4755240" cy="1080970"/>
+          </a:xfrm>
+        </p:spPr>
+        <p:txBody>
+          <a:bodyPr>
+            <a:noAutofit/>
+          </a:bodyPr>
+          <a:lstStyle/>
+          <a:p>
+            <a:r>
+              <a:rPr lang="es-CO" sz="3200" dirty="0" smtClean="0"/>
+              <a:t>Información general</a:t>
+            </a:r>
+            <a:endParaRPr lang="es-CO" sz="3200" dirty="0"/>
+          </a:p>
+        </p:txBody>
+      </p:sp>
+      <p:pic>
+        <p:nvPicPr>
+          <p:cNvPr id="5" name="Imagen 4"/>
+          <p:cNvPicPr>
+            <a:picLocks noChangeAspect="1"/>
+          </p:cNvPicPr>
+          <p:nvPr/>
+        </p:nvPicPr>
+        <p:blipFill>
+          <a:blip r:embed="rId2">
+            <a:extLst>
+              <a:ext uri="{28A0092B-C50C-407E-A947-70E740481C1C}">
+                <a14:useLocalDpi xmlns:a14="http://schemas.microsoft.com/office/drawing/2010/main" val="0"/>
+              </a:ext>
+            </a:extLst>
+          </a:blip>
+          <a:stretch>
+            <a:fillRect/>
+          </a:stretch>
+        </p:blipFill>
+        <p:spPr>
+          <a:xfrm>
+            <a:off x="7024049" y="468465"/>
+            <a:ext cx="3616693" cy="6027821"/>
+          </a:xfrm>
+          <a:prstGeom prst="rect">
+            <a:avLst/>
+          </a:prstGeom>
+          <a:ln>
+            <a:noFill/>
+          </a:ln>
+          <a:effectLst>
+            <a:outerShdw blurRad="292100" dist="139700" dir="2700000" algn="tl" rotWithShape="0">
+              <a:srgbClr val="333333">
+                <a:alpha val="65000"/>
+              </a:srgbClr>
+            </a:outerShdw>
+          </a:effectLst>
+        </p:spPr>
+      </p:pic>
+    </p:spTree>
+    <p:extLst>
+      <p:ext uri="{BB962C8B-B14F-4D97-AF65-F5344CB8AC3E}">
+        <p14:creationId xmlns:p14="http://schemas.microsoft.com/office/powerpoint/2010/main" val="1271918732"/>
+      </p:ext>
+    </p:extLst>
+  </p:cSld>
+  <p:clrMapOvr>
+    <a:masterClrMapping/>
+  </p:clrMapOvr>
+  <p:timing>
+    <p:tnLst>
+      <p:par>
+        <p:cTn id="1" dur="indefinite" restart="never" nodeType="tmRoot"/>
+      </p:par>
+    </p:tnLst>
+  </p:timing>
+</p:sld>
+</file>
+
+<file path=ppt/slides/slide13.xml><?xml version="1.0" encoding="utf-8"?>
+<p:sld xmlns:a="http://schemas.openxmlformats.org/drawingml/2006/main" xmlns:r="http://schemas.openxmlformats.org/officeDocument/2006/relationships" xmlns:p="http://schemas.openxmlformats.org/presentationml/2006/main">
+  <p:cSld>
+    <p:spTree>
+      <p:nvGrpSpPr>
+        <p:cNvPr id="1" name=""/>
+        <p:cNvGrpSpPr/>
+        <p:nvPr/>
+      </p:nvGrpSpPr>
+      <p:grpSpPr>
+        <a:xfrm>
+          <a:off x="0" y="0"/>
+          <a:ext cx="0" cy="0"/>
+          <a:chOff x="0" y="0"/>
+          <a:chExt cx="0" cy="0"/>
+        </a:xfrm>
+      </p:grpSpPr>
+      <p:sp>
+        <p:nvSpPr>
+          <p:cNvPr id="2" name="Título 1"/>
+          <p:cNvSpPr>
+            <a:spLocks noGrp="1"/>
+          </p:cNvSpPr>
+          <p:nvPr>
+            <p:ph type="title"/>
+          </p:nvPr>
+        </p:nvSpPr>
+        <p:spPr>
+          <a:xfrm>
+            <a:off x="4135370" y="130814"/>
+            <a:ext cx="3492981" cy="723427"/>
+          </a:xfrm>
+        </p:spPr>
+        <p:txBody>
+          <a:bodyPr/>
+          <a:lstStyle/>
+          <a:p>
+            <a:r>
+              <a:rPr lang="es-CO" dirty="0" smtClean="0"/>
+              <a:t>PROYECCIÓN</a:t>
+            </a:r>
+            <a:endParaRPr lang="es-CO" dirty="0"/>
+          </a:p>
+        </p:txBody>
+      </p:sp>
+      <p:sp>
+        <p:nvSpPr>
+          <p:cNvPr id="3" name="Marcador de contenido 2"/>
+          <p:cNvSpPr>
+            <a:spLocks noGrp="1"/>
+          </p:cNvSpPr>
+          <p:nvPr>
+            <p:ph idx="1"/>
+          </p:nvPr>
+        </p:nvSpPr>
+        <p:spPr>
+          <a:xfrm>
+            <a:off x="1676051" y="1861163"/>
+            <a:ext cx="5186069" cy="3826807"/>
+          </a:xfrm>
+        </p:spPr>
+        <p:txBody>
+          <a:bodyPr>
+            <a:noAutofit/>
+          </a:bodyPr>
+          <a:lstStyle/>
+          <a:p>
+            <a:r>
+              <a:rPr lang="es-CO" sz="3200" dirty="0" smtClean="0"/>
+              <a:t>Sistema de información integral.</a:t>
+            </a:r>
+            <a:endParaRPr lang="es-CO" sz="3200" dirty="0" smtClean="0"/>
+          </a:p>
+          <a:p>
+            <a:endParaRPr lang="es-CO" sz="3200" dirty="0"/>
+          </a:p>
+          <a:p>
+            <a:r>
+              <a:rPr lang="es-CO" sz="3200" dirty="0" smtClean="0"/>
+              <a:t>Sitio web publico SIN SMARTPHONE.</a:t>
+            </a:r>
+            <a:endParaRPr lang="es-CO" sz="3200" dirty="0"/>
           </a:p>
         </p:txBody>
       </p:sp>
@@ -7856,7 +8289,7 @@
         </p:blipFill>
         <p:spPr bwMode="auto">
           <a:xfrm>
-            <a:off x="8481073" y="2231475"/>
+            <a:off x="8192974" y="1861163"/>
             <a:ext cx="2857500" cy="2857500"/>
           </a:xfrm>
           <a:prstGeom prst="rect">
@@ -7922,577 +8355,16 @@
       </p:grpSpPr>
       <p:sp>
         <p:nvSpPr>
-          <p:cNvPr id="2" name="Título 1"/>
-          <p:cNvSpPr>
-            <a:spLocks noGrp="1"/>
-          </p:cNvSpPr>
-          <p:nvPr>
-            <p:ph type="title"/>
-          </p:nvPr>
+          <p:cNvPr id="8" name="2 Marcador de contenido"/>
+          <p:cNvSpPr txBox="1">
+            <a:spLocks/>
+          </p:cNvSpPr>
+          <p:nvPr/>
         </p:nvSpPr>
         <p:spPr>
           <a:xfrm>
-            <a:off x="2219946" y="371447"/>
-            <a:ext cx="8911687" cy="723427"/>
-          </a:xfrm>
-        </p:spPr>
-        <p:txBody>
-          <a:bodyPr/>
-          <a:lstStyle/>
-          <a:p>
-            <a:r>
-              <a:rPr lang="es-CO" dirty="0" smtClean="0"/>
-              <a:t>SERVICIOS MÓVILES - APP</a:t>
-            </a:r>
-            <a:endParaRPr lang="es-CO" dirty="0"/>
-          </a:p>
-        </p:txBody>
-      </p:sp>
-      <p:sp>
-        <p:nvSpPr>
-          <p:cNvPr id="3" name="Marcador de contenido 2"/>
-          <p:cNvSpPr>
-            <a:spLocks noGrp="1"/>
-          </p:cNvSpPr>
-          <p:nvPr>
-            <p:ph idx="1"/>
-          </p:nvPr>
-        </p:nvSpPr>
-        <p:spPr>
-          <a:xfrm>
-            <a:off x="1155699" y="2358191"/>
-            <a:ext cx="5029200" cy="5017168"/>
-          </a:xfrm>
-        </p:spPr>
-        <p:txBody>
-          <a:bodyPr>
-            <a:normAutofit/>
-          </a:bodyPr>
-          <a:lstStyle/>
-          <a:p>
-            <a:r>
-              <a:rPr lang="es-CO" sz="2400" dirty="0" smtClean="0"/>
-              <a:t>Menú principal con acceso a los diferentes niveles de navegación de la aplicación.</a:t>
-            </a:r>
-            <a:endParaRPr lang="es-CO" sz="2400" dirty="0"/>
-          </a:p>
-        </p:txBody>
-      </p:sp>
-      <p:pic>
-        <p:nvPicPr>
-          <p:cNvPr id="4" name="Imagen 3"/>
-          <p:cNvPicPr>
-            <a:picLocks noChangeAspect="1"/>
-          </p:cNvPicPr>
-          <p:nvPr/>
-        </p:nvPicPr>
-        <p:blipFill>
-          <a:blip r:embed="rId2">
-            <a:extLst>
-              <a:ext uri="{28A0092B-C50C-407E-A947-70E740481C1C}">
-                <a14:useLocalDpi xmlns:a14="http://schemas.microsoft.com/office/drawing/2010/main" val="0"/>
-              </a:ext>
-            </a:extLst>
-          </a:blip>
-          <a:stretch>
-            <a:fillRect/>
-          </a:stretch>
-        </p:blipFill>
-        <p:spPr>
-          <a:xfrm>
-            <a:off x="7371347" y="1034716"/>
-            <a:ext cx="3175417" cy="5292362"/>
-          </a:xfrm>
-          <a:prstGeom prst="rect">
-            <a:avLst/>
-          </a:prstGeom>
-          <a:ln>
-            <a:noFill/>
-          </a:ln>
-          <a:effectLst>
-            <a:outerShdw blurRad="292100" dist="139700" dir="2700000" algn="tl" rotWithShape="0">
-              <a:srgbClr val="333333">
-                <a:alpha val="65000"/>
-              </a:srgbClr>
-            </a:outerShdw>
-          </a:effectLst>
-        </p:spPr>
-      </p:pic>
-    </p:spTree>
-    <p:extLst>
-      <p:ext uri="{BB962C8B-B14F-4D97-AF65-F5344CB8AC3E}">
-        <p14:creationId xmlns:p14="http://schemas.microsoft.com/office/powerpoint/2010/main" val="3521001154"/>
-      </p:ext>
-    </p:extLst>
-  </p:cSld>
-  <p:clrMapOvr>
-    <a:masterClrMapping/>
-  </p:clrMapOvr>
-  <p:timing>
-    <p:tnLst>
-      <p:par>
-        <p:cTn id="1" dur="indefinite" restart="never" nodeType="tmRoot"/>
-      </p:par>
-    </p:tnLst>
-  </p:timing>
-</p:sld>
-</file>
-
-<file path=ppt/slides/slide3.xml><?xml version="1.0" encoding="utf-8"?>
-<p:sld xmlns:a="http://schemas.openxmlformats.org/drawingml/2006/main" xmlns:r="http://schemas.openxmlformats.org/officeDocument/2006/relationships" xmlns:p="http://schemas.openxmlformats.org/presentationml/2006/main">
-  <p:cSld>
-    <p:spTree>
-      <p:nvGrpSpPr>
-        <p:cNvPr id="1" name=""/>
-        <p:cNvGrpSpPr/>
-        <p:nvPr/>
-      </p:nvGrpSpPr>
-      <p:grpSpPr>
-        <a:xfrm>
-          <a:off x="0" y="0"/>
-          <a:ext cx="0" cy="0"/>
-          <a:chOff x="0" y="0"/>
-          <a:chExt cx="0" cy="0"/>
-        </a:xfrm>
-      </p:grpSpPr>
-      <p:sp>
-        <p:nvSpPr>
-          <p:cNvPr id="2" name="Título 1"/>
-          <p:cNvSpPr>
-            <a:spLocks noGrp="1"/>
-          </p:cNvSpPr>
-          <p:nvPr>
-            <p:ph type="title"/>
-          </p:nvPr>
-        </p:nvSpPr>
-        <p:spPr>
-          <a:xfrm>
-            <a:off x="1729055" y="106752"/>
-            <a:ext cx="8911687" cy="723427"/>
-          </a:xfrm>
-        </p:spPr>
-        <p:txBody>
-          <a:bodyPr/>
-          <a:lstStyle/>
-          <a:p>
-            <a:r>
-              <a:rPr lang="es-CO" dirty="0" smtClean="0"/>
-              <a:t>Consultar Programas</a:t>
-            </a:r>
-            <a:endParaRPr lang="es-CO" dirty="0"/>
-          </a:p>
-        </p:txBody>
-      </p:sp>
-      <p:sp>
-        <p:nvSpPr>
-          <p:cNvPr id="3" name="Marcador de contenido 2"/>
-          <p:cNvSpPr>
-            <a:spLocks noGrp="1"/>
-          </p:cNvSpPr>
-          <p:nvPr>
-            <p:ph idx="1"/>
-          </p:nvPr>
-        </p:nvSpPr>
-        <p:spPr>
-          <a:xfrm>
-            <a:off x="922680" y="1696454"/>
-            <a:ext cx="4202774" cy="1395661"/>
-          </a:xfrm>
-        </p:spPr>
-        <p:txBody>
-          <a:bodyPr>
-            <a:noAutofit/>
-          </a:bodyPr>
-          <a:lstStyle/>
-          <a:p>
-            <a:r>
-              <a:rPr lang="es-CO" sz="2000" dirty="0" smtClean="0"/>
-              <a:t>Los programas consultadas se pueden filtrar según el tipo de acción que requiera el usuario y el estado de los programas que desea consultar.</a:t>
-            </a:r>
-            <a:endParaRPr lang="es-CO" sz="2000" dirty="0"/>
-          </a:p>
-        </p:txBody>
-      </p:sp>
-      <p:pic>
-        <p:nvPicPr>
-          <p:cNvPr id="5" name="Imagen 4"/>
-          <p:cNvPicPr>
-            <a:picLocks noChangeAspect="1"/>
-          </p:cNvPicPr>
-          <p:nvPr/>
-        </p:nvPicPr>
-        <p:blipFill>
-          <a:blip r:embed="rId2">
-            <a:extLst>
-              <a:ext uri="{28A0092B-C50C-407E-A947-70E740481C1C}">
-                <a14:useLocalDpi xmlns:a14="http://schemas.microsoft.com/office/drawing/2010/main" val="0"/>
-              </a:ext>
-            </a:extLst>
-          </a:blip>
-          <a:stretch>
-            <a:fillRect/>
-          </a:stretch>
-        </p:blipFill>
-        <p:spPr>
-          <a:xfrm>
-            <a:off x="6086576" y="1266660"/>
-            <a:ext cx="2697879" cy="4496466"/>
-          </a:xfrm>
-          <a:prstGeom prst="rect">
-            <a:avLst/>
-          </a:prstGeom>
-          <a:ln>
-            <a:noFill/>
-          </a:ln>
-          <a:effectLst>
-            <a:outerShdw blurRad="292100" dist="139700" dir="2700000" algn="tl" rotWithShape="0">
-              <a:srgbClr val="333333">
-                <a:alpha val="65000"/>
-              </a:srgbClr>
-            </a:outerShdw>
-          </a:effectLst>
-        </p:spPr>
-      </p:pic>
-      <p:pic>
-        <p:nvPicPr>
-          <p:cNvPr id="6" name="Imagen 5"/>
-          <p:cNvPicPr>
-            <a:picLocks noChangeAspect="1"/>
-          </p:cNvPicPr>
-          <p:nvPr/>
-        </p:nvPicPr>
-        <p:blipFill>
-          <a:blip r:embed="rId3">
-            <a:extLst>
-              <a:ext uri="{28A0092B-C50C-407E-A947-70E740481C1C}">
-                <a14:useLocalDpi xmlns:a14="http://schemas.microsoft.com/office/drawing/2010/main" val="0"/>
-              </a:ext>
-            </a:extLst>
-          </a:blip>
-          <a:stretch>
-            <a:fillRect/>
-          </a:stretch>
-        </p:blipFill>
-        <p:spPr>
-          <a:xfrm>
-            <a:off x="9291802" y="1266660"/>
-            <a:ext cx="2697879" cy="4496466"/>
-          </a:xfrm>
-          <a:prstGeom prst="rect">
-            <a:avLst/>
-          </a:prstGeom>
-          <a:ln>
-            <a:noFill/>
-          </a:ln>
-          <a:effectLst>
-            <a:outerShdw blurRad="292100" dist="139700" dir="2700000" algn="tl" rotWithShape="0">
-              <a:srgbClr val="333333">
-                <a:alpha val="65000"/>
-              </a:srgbClr>
-            </a:outerShdw>
-          </a:effectLst>
-        </p:spPr>
-      </p:pic>
-    </p:spTree>
-    <p:extLst>
-      <p:ext uri="{BB962C8B-B14F-4D97-AF65-F5344CB8AC3E}">
-        <p14:creationId xmlns:p14="http://schemas.microsoft.com/office/powerpoint/2010/main" val="260071093"/>
-      </p:ext>
-    </p:extLst>
-  </p:cSld>
-  <p:clrMapOvr>
-    <a:masterClrMapping/>
-  </p:clrMapOvr>
-  <p:timing>
-    <p:tnLst>
-      <p:par>
-        <p:cTn id="1" dur="indefinite" restart="never" nodeType="tmRoot"/>
-      </p:par>
-    </p:tnLst>
-  </p:timing>
-</p:sld>
-</file>
-
-<file path=ppt/slides/slide4.xml><?xml version="1.0" encoding="utf-8"?>
-<p:sld xmlns:a="http://schemas.openxmlformats.org/drawingml/2006/main" xmlns:r="http://schemas.openxmlformats.org/officeDocument/2006/relationships" xmlns:p="http://schemas.openxmlformats.org/presentationml/2006/main">
-  <p:cSld>
-    <p:spTree>
-      <p:nvGrpSpPr>
-        <p:cNvPr id="1" name=""/>
-        <p:cNvGrpSpPr/>
-        <p:nvPr/>
-      </p:nvGrpSpPr>
-      <p:grpSpPr>
-        <a:xfrm>
-          <a:off x="0" y="0"/>
-          <a:ext cx="0" cy="0"/>
-          <a:chOff x="0" y="0"/>
-          <a:chExt cx="0" cy="0"/>
-        </a:xfrm>
-      </p:grpSpPr>
-      <p:sp>
-        <p:nvSpPr>
-          <p:cNvPr id="2" name="Título 1"/>
-          <p:cNvSpPr>
-            <a:spLocks noGrp="1"/>
-          </p:cNvSpPr>
-          <p:nvPr>
-            <p:ph type="title"/>
-          </p:nvPr>
-        </p:nvSpPr>
-        <p:spPr>
-          <a:xfrm>
-            <a:off x="1729055" y="106752"/>
-            <a:ext cx="8911687" cy="723427"/>
-          </a:xfrm>
-        </p:spPr>
-        <p:txBody>
-          <a:bodyPr/>
-          <a:lstStyle/>
-          <a:p>
-            <a:r>
-              <a:rPr lang="es-CO" dirty="0" smtClean="0"/>
-              <a:t>Consultar Programas – Redes sociales</a:t>
-            </a:r>
-            <a:endParaRPr lang="es-CO" dirty="0"/>
-          </a:p>
-        </p:txBody>
-      </p:sp>
-      <p:sp>
-        <p:nvSpPr>
-          <p:cNvPr id="3" name="Marcador de contenido 2"/>
-          <p:cNvSpPr>
-            <a:spLocks noGrp="1"/>
-          </p:cNvSpPr>
-          <p:nvPr>
-            <p:ph idx="1"/>
-          </p:nvPr>
-        </p:nvSpPr>
-        <p:spPr>
-          <a:xfrm>
-            <a:off x="1572386" y="1672390"/>
-            <a:ext cx="4202774" cy="2057398"/>
-          </a:xfrm>
-        </p:spPr>
-        <p:txBody>
-          <a:bodyPr>
-            <a:noAutofit/>
-          </a:bodyPr>
-          <a:lstStyle/>
-          <a:p>
-            <a:r>
-              <a:rPr lang="es-CO" sz="2000" dirty="0" smtClean="0"/>
-              <a:t>La aplicación permite compartir un programa de interés en las redes sociales más usadas como lo son Facebook y </a:t>
-            </a:r>
-            <a:r>
-              <a:rPr lang="es-CO" sz="2000" dirty="0" err="1" smtClean="0"/>
-              <a:t>Twitter</a:t>
-            </a:r>
-            <a:r>
-              <a:rPr lang="es-CO" sz="2000" dirty="0" smtClean="0"/>
-              <a:t>.</a:t>
-            </a:r>
-            <a:endParaRPr lang="es-CO" sz="2000" dirty="0"/>
-          </a:p>
-        </p:txBody>
-      </p:sp>
-      <p:pic>
-        <p:nvPicPr>
-          <p:cNvPr id="4" name="Imagen 3"/>
-          <p:cNvPicPr>
-            <a:picLocks noChangeAspect="1"/>
-          </p:cNvPicPr>
-          <p:nvPr/>
-        </p:nvPicPr>
-        <p:blipFill>
-          <a:blip r:embed="rId2">
-            <a:extLst>
-              <a:ext uri="{28A0092B-C50C-407E-A947-70E740481C1C}">
-                <a14:useLocalDpi xmlns:a14="http://schemas.microsoft.com/office/drawing/2010/main" val="0"/>
-              </a:ext>
-            </a:extLst>
-          </a:blip>
-          <a:stretch>
-            <a:fillRect/>
-          </a:stretch>
-        </p:blipFill>
-        <p:spPr>
-          <a:xfrm>
-            <a:off x="6517105" y="950494"/>
-            <a:ext cx="3335153" cy="5558589"/>
-          </a:xfrm>
-          <a:prstGeom prst="rect">
-            <a:avLst/>
-          </a:prstGeom>
-          <a:ln>
-            <a:noFill/>
-          </a:ln>
-          <a:effectLst>
-            <a:outerShdw blurRad="292100" dist="139700" dir="2700000" algn="tl" rotWithShape="0">
-              <a:srgbClr val="333333">
-                <a:alpha val="65000"/>
-              </a:srgbClr>
-            </a:outerShdw>
-          </a:effectLst>
-        </p:spPr>
-      </p:pic>
-    </p:spTree>
-    <p:extLst>
-      <p:ext uri="{BB962C8B-B14F-4D97-AF65-F5344CB8AC3E}">
-        <p14:creationId xmlns:p14="http://schemas.microsoft.com/office/powerpoint/2010/main" val="2285285812"/>
-      </p:ext>
-    </p:extLst>
-  </p:cSld>
-  <p:clrMapOvr>
-    <a:masterClrMapping/>
-  </p:clrMapOvr>
-  <p:timing>
-    <p:tnLst>
-      <p:par>
-        <p:cTn id="1" dur="indefinite" restart="never" nodeType="tmRoot"/>
-      </p:par>
-    </p:tnLst>
-  </p:timing>
-</p:sld>
-</file>
-
-<file path=ppt/slides/slide5.xml><?xml version="1.0" encoding="utf-8"?>
-<p:sld xmlns:a="http://schemas.openxmlformats.org/drawingml/2006/main" xmlns:r="http://schemas.openxmlformats.org/officeDocument/2006/relationships" xmlns:p="http://schemas.openxmlformats.org/presentationml/2006/main">
-  <p:cSld>
-    <p:spTree>
-      <p:nvGrpSpPr>
-        <p:cNvPr id="1" name=""/>
-        <p:cNvGrpSpPr/>
-        <p:nvPr/>
-      </p:nvGrpSpPr>
-      <p:grpSpPr>
-        <a:xfrm>
-          <a:off x="0" y="0"/>
-          <a:ext cx="0" cy="0"/>
-          <a:chOff x="0" y="0"/>
-          <a:chExt cx="0" cy="0"/>
-        </a:xfrm>
-      </p:grpSpPr>
-      <p:sp>
-        <p:nvSpPr>
-          <p:cNvPr id="2" name="Título 1"/>
-          <p:cNvSpPr>
-            <a:spLocks noGrp="1"/>
-          </p:cNvSpPr>
-          <p:nvPr>
-            <p:ph type="title"/>
-          </p:nvPr>
-        </p:nvSpPr>
-        <p:spPr>
-          <a:xfrm>
-            <a:off x="1729055" y="106752"/>
-            <a:ext cx="8911687" cy="723427"/>
-          </a:xfrm>
-        </p:spPr>
-        <p:txBody>
-          <a:bodyPr/>
-          <a:lstStyle/>
-          <a:p>
-            <a:r>
-              <a:rPr lang="es-CO" dirty="0" smtClean="0"/>
-              <a:t>Listado de entidades</a:t>
-            </a:r>
-            <a:endParaRPr lang="es-CO" dirty="0"/>
-          </a:p>
-        </p:txBody>
-      </p:sp>
-      <p:pic>
-        <p:nvPicPr>
-          <p:cNvPr id="5" name="Imagen 4"/>
-          <p:cNvPicPr>
-            <a:picLocks noChangeAspect="1"/>
-          </p:cNvPicPr>
-          <p:nvPr/>
-        </p:nvPicPr>
-        <p:blipFill>
-          <a:blip r:embed="rId2">
-            <a:extLst>
-              <a:ext uri="{28A0092B-C50C-407E-A947-70E740481C1C}">
-                <a14:useLocalDpi xmlns:a14="http://schemas.microsoft.com/office/drawing/2010/main" val="0"/>
-              </a:ext>
-            </a:extLst>
-          </a:blip>
-          <a:stretch>
-            <a:fillRect/>
-          </a:stretch>
-        </p:blipFill>
-        <p:spPr>
-          <a:xfrm>
-            <a:off x="874294" y="1479119"/>
-            <a:ext cx="2924133" cy="4873556"/>
-          </a:xfrm>
-          <a:prstGeom prst="rect">
-            <a:avLst/>
-          </a:prstGeom>
-          <a:ln>
-            <a:noFill/>
-          </a:ln>
-          <a:effectLst>
-            <a:outerShdw blurRad="292100" dist="139700" dir="2700000" algn="tl" rotWithShape="0">
-              <a:srgbClr val="333333">
-                <a:alpha val="65000"/>
-              </a:srgbClr>
-            </a:outerShdw>
-          </a:effectLst>
-        </p:spPr>
-      </p:pic>
-      <p:pic>
-        <p:nvPicPr>
-          <p:cNvPr id="6" name="Imagen 5"/>
-          <p:cNvPicPr>
-            <a:picLocks noChangeAspect="1"/>
-          </p:cNvPicPr>
-          <p:nvPr/>
-        </p:nvPicPr>
-        <p:blipFill>
-          <a:blip r:embed="rId3">
-            <a:extLst>
-              <a:ext uri="{28A0092B-C50C-407E-A947-70E740481C1C}">
-                <a14:useLocalDpi xmlns:a14="http://schemas.microsoft.com/office/drawing/2010/main" val="0"/>
-              </a:ext>
-            </a:extLst>
-          </a:blip>
-          <a:stretch>
-            <a:fillRect/>
-          </a:stretch>
-        </p:blipFill>
-        <p:spPr>
-          <a:xfrm>
-            <a:off x="3954379" y="1479120"/>
-            <a:ext cx="2927684" cy="4879474"/>
-          </a:xfrm>
-          <a:prstGeom prst="rect">
-            <a:avLst/>
-          </a:prstGeom>
-          <a:ln>
-            <a:noFill/>
-          </a:ln>
-          <a:effectLst>
-            <a:outerShdw blurRad="292100" dist="139700" dir="2700000" algn="tl" rotWithShape="0">
-              <a:srgbClr val="333333">
-                <a:alpha val="65000"/>
-              </a:srgbClr>
-            </a:outerShdw>
-          </a:effectLst>
-        </p:spPr>
-      </p:pic>
-      <p:sp>
-        <p:nvSpPr>
-          <p:cNvPr id="8" name="Marcador de contenido 2"/>
-          <p:cNvSpPr txBox="1">
-            <a:spLocks/>
-          </p:cNvSpPr>
-          <p:nvPr/>
-        </p:nvSpPr>
-        <p:spPr>
-          <a:xfrm>
-            <a:off x="7347801" y="1479119"/>
-            <a:ext cx="4202774" cy="2057398"/>
+            <a:off x="1797942" y="1143743"/>
+            <a:ext cx="5300690" cy="1852120"/>
           </a:xfrm>
           <a:prstGeom prst="rect">
             <a:avLst/>
@@ -8721,18 +8593,1111 @@
             </a:lvl9pPr>
           </a:lstStyle>
           <a:p>
-            <a:r>
-              <a:rPr lang="es-CO" sz="2000" smtClean="0"/>
-              <a:t>Listar las entidades registradas en el sistema para conocer sus programas y su información principal (Horario de atención, descripción general y enlace a sitio web).</a:t>
-            </a:r>
-            <a:endParaRPr lang="es-CO" sz="2000" dirty="0"/>
-          </a:p>
-        </p:txBody>
-      </p:sp>
+            <a:pPr>
+              <a:buFont typeface="Wingdings 3" charset="2"/>
+              <a:buNone/>
+            </a:pPr>
+            <a:endParaRPr lang="es-CO" sz="3600" dirty="0" smtClean="0"/>
+          </a:p>
+          <a:p>
+            <a:r>
+              <a:rPr lang="es-CO" sz="3600" dirty="0" smtClean="0"/>
+              <a:t>Registrar programas</a:t>
+            </a:r>
+          </a:p>
+          <a:p>
+            <a:endParaRPr lang="es-CO" sz="3600" dirty="0" smtClean="0"/>
+          </a:p>
+          <a:p>
+            <a:endParaRPr lang="es-CO" sz="3600" dirty="0" smtClean="0"/>
+          </a:p>
+          <a:p>
+            <a:pPr>
+              <a:buFont typeface="Wingdings 3" charset="2"/>
+              <a:buNone/>
+            </a:pPr>
+            <a:endParaRPr lang="es-CO" sz="3600" dirty="0" smtClean="0"/>
+          </a:p>
+          <a:p>
+            <a:endParaRPr lang="es-CO" sz="3600" dirty="0" smtClean="0"/>
+          </a:p>
+          <a:p>
+            <a:endParaRPr lang="es-CO" sz="3600" dirty="0"/>
+          </a:p>
+        </p:txBody>
+      </p:sp>
+      <p:sp>
+        <p:nvSpPr>
+          <p:cNvPr id="9" name="1 Título"/>
+          <p:cNvSpPr txBox="1">
+            <a:spLocks/>
+          </p:cNvSpPr>
+          <p:nvPr/>
+        </p:nvSpPr>
+        <p:spPr>
+          <a:xfrm>
+            <a:off x="948855" y="149987"/>
+            <a:ext cx="7467600" cy="631844"/>
+          </a:xfrm>
+          <a:prstGeom prst="rect">
+            <a:avLst/>
+          </a:prstGeom>
+        </p:spPr>
+        <p:txBody>
+          <a:bodyPr vert="horz" lIns="91440" tIns="45720" rIns="91440" bIns="45720" rtlCol="0" anchor="t">
+            <a:normAutofit lnSpcReduction="10000"/>
+          </a:bodyPr>
+          <a:lstStyle>
+            <a:lvl1pPr algn="l" defTabSz="457200" rtl="0" eaLnBrk="1" latinLnBrk="0" hangingPunct="1">
+              <a:spcBef>
+                <a:spcPct val="0"/>
+              </a:spcBef>
+              <a:buNone/>
+              <a:defRPr sz="3600" kern="1200">
+                <a:solidFill>
+                  <a:schemeClr val="tx1">
+                    <a:lumMod val="85000"/>
+                    <a:lumOff val="15000"/>
+                  </a:schemeClr>
+                </a:solidFill>
+                <a:latin typeface="+mj-lt"/>
+                <a:ea typeface="+mj-ea"/>
+                <a:cs typeface="+mj-cs"/>
+              </a:defRPr>
+            </a:lvl1pPr>
+            <a:lvl2pPr eaLnBrk="1" hangingPunct="1">
+              <a:defRPr>
+                <a:solidFill>
+                  <a:schemeClr val="tx2"/>
+                </a:solidFill>
+              </a:defRPr>
+            </a:lvl2pPr>
+            <a:lvl3pPr eaLnBrk="1" hangingPunct="1">
+              <a:defRPr>
+                <a:solidFill>
+                  <a:schemeClr val="tx2"/>
+                </a:solidFill>
+              </a:defRPr>
+            </a:lvl3pPr>
+            <a:lvl4pPr eaLnBrk="1" hangingPunct="1">
+              <a:defRPr>
+                <a:solidFill>
+                  <a:schemeClr val="tx2"/>
+                </a:solidFill>
+              </a:defRPr>
+            </a:lvl4pPr>
+            <a:lvl5pPr eaLnBrk="1" hangingPunct="1">
+              <a:defRPr>
+                <a:solidFill>
+                  <a:schemeClr val="tx2"/>
+                </a:solidFill>
+              </a:defRPr>
+            </a:lvl5pPr>
+            <a:lvl6pPr eaLnBrk="1" hangingPunct="1">
+              <a:defRPr>
+                <a:solidFill>
+                  <a:schemeClr val="tx2"/>
+                </a:solidFill>
+              </a:defRPr>
+            </a:lvl6pPr>
+            <a:lvl7pPr eaLnBrk="1" hangingPunct="1">
+              <a:defRPr>
+                <a:solidFill>
+                  <a:schemeClr val="tx2"/>
+                </a:solidFill>
+              </a:defRPr>
+            </a:lvl7pPr>
+            <a:lvl8pPr eaLnBrk="1" hangingPunct="1">
+              <a:defRPr>
+                <a:solidFill>
+                  <a:schemeClr val="tx2"/>
+                </a:solidFill>
+              </a:defRPr>
+            </a:lvl8pPr>
+            <a:lvl9pPr eaLnBrk="1" hangingPunct="1">
+              <a:defRPr>
+                <a:solidFill>
+                  <a:schemeClr val="tx2"/>
+                </a:solidFill>
+              </a:defRPr>
+            </a:lvl9pPr>
+          </a:lstStyle>
+          <a:p>
+            <a:r>
+              <a:rPr lang="es-CO" dirty="0" smtClean="0"/>
+              <a:t>Plataforma web - Entidades</a:t>
+            </a:r>
+            <a:endParaRPr lang="es-CO" dirty="0"/>
+          </a:p>
+        </p:txBody>
+      </p:sp>
+      <p:pic>
+        <p:nvPicPr>
+          <p:cNvPr id="10" name="Picture 3" descr="C:\Users\Alexandra\Documents\GitHub\Reparación-ScreenShots\web-registrar-programa.png"/>
+          <p:cNvPicPr>
+            <a:picLocks noChangeAspect="1" noChangeArrowheads="1"/>
+          </p:cNvPicPr>
+          <p:nvPr/>
+        </p:nvPicPr>
+        <p:blipFill>
+          <a:blip r:embed="rId2"/>
+          <a:srcRect/>
+          <a:stretch>
+            <a:fillRect/>
+          </a:stretch>
+        </p:blipFill>
+        <p:spPr bwMode="auto">
+          <a:xfrm>
+            <a:off x="7700211" y="180896"/>
+            <a:ext cx="4042610" cy="6519379"/>
+          </a:xfrm>
+          <a:prstGeom prst="rect">
+            <a:avLst/>
+          </a:prstGeom>
+          <a:ln>
+            <a:noFill/>
+          </a:ln>
+          <a:effectLst>
+            <a:outerShdw blurRad="292100" dist="139700" dir="2700000" algn="tl" rotWithShape="0">
+              <a:srgbClr val="333333">
+                <a:alpha val="65000"/>
+              </a:srgbClr>
+            </a:outerShdw>
+          </a:effectLst>
+        </p:spPr>
+      </p:pic>
+      <p:pic>
+        <p:nvPicPr>
+          <p:cNvPr id="14" name="Picture 4" descr="C:\Users\Alexandra\Documents\GitHub\Reparación-ScreenShots\web-mis-programas.png"/>
+          <p:cNvPicPr>
+            <a:picLocks noChangeAspect="1" noChangeArrowheads="1"/>
+          </p:cNvPicPr>
+          <p:nvPr/>
+        </p:nvPicPr>
+        <p:blipFill>
+          <a:blip r:embed="rId3"/>
+          <a:srcRect/>
+          <a:stretch>
+            <a:fillRect/>
+          </a:stretch>
+        </p:blipFill>
+        <p:spPr bwMode="auto">
+          <a:xfrm>
+            <a:off x="747041" y="2815390"/>
+            <a:ext cx="6351591" cy="3326269"/>
+          </a:xfrm>
+          <a:prstGeom prst="rect">
+            <a:avLst/>
+          </a:prstGeom>
+          <a:ln>
+            <a:noFill/>
+          </a:ln>
+          <a:effectLst>
+            <a:outerShdw blurRad="292100" dist="139700" dir="2700000" algn="tl" rotWithShape="0">
+              <a:srgbClr val="333333">
+                <a:alpha val="65000"/>
+              </a:srgbClr>
+            </a:outerShdw>
+          </a:effectLst>
+        </p:spPr>
+      </p:pic>
     </p:spTree>
     <p:extLst>
       <p:ext uri="{BB962C8B-B14F-4D97-AF65-F5344CB8AC3E}">
-        <p14:creationId xmlns:p14="http://schemas.microsoft.com/office/powerpoint/2010/main" val="3580555675"/>
+        <p14:creationId xmlns:p14="http://schemas.microsoft.com/office/powerpoint/2010/main" val="2385386169"/>
+      </p:ext>
+    </p:extLst>
+  </p:cSld>
+  <p:clrMapOvr>
+    <a:masterClrMapping/>
+  </p:clrMapOvr>
+  <p:timing>
+    <p:tnLst>
+      <p:par>
+        <p:cTn id="1" dur="indefinite" restart="never" nodeType="tmRoot"/>
+      </p:par>
+    </p:tnLst>
+  </p:timing>
+</p:sld>
+</file>
+
+<file path=ppt/slides/slide3.xml><?xml version="1.0" encoding="utf-8"?>
+<p:sld xmlns:a="http://schemas.openxmlformats.org/drawingml/2006/main" xmlns:r="http://schemas.openxmlformats.org/officeDocument/2006/relationships" xmlns:p="http://schemas.openxmlformats.org/presentationml/2006/main">
+  <p:cSld>
+    <p:spTree>
+      <p:nvGrpSpPr>
+        <p:cNvPr id="1" name=""/>
+        <p:cNvGrpSpPr/>
+        <p:nvPr/>
+      </p:nvGrpSpPr>
+      <p:grpSpPr>
+        <a:xfrm>
+          <a:off x="0" y="0"/>
+          <a:ext cx="0" cy="0"/>
+          <a:chOff x="0" y="0"/>
+          <a:chExt cx="0" cy="0"/>
+        </a:xfrm>
+      </p:grpSpPr>
+      <p:sp>
+        <p:nvSpPr>
+          <p:cNvPr id="7" name="1 Título"/>
+          <p:cNvSpPr txBox="1">
+            <a:spLocks/>
+          </p:cNvSpPr>
+          <p:nvPr/>
+        </p:nvSpPr>
+        <p:spPr>
+          <a:xfrm>
+            <a:off x="1617468" y="166915"/>
+            <a:ext cx="7467600" cy="631844"/>
+          </a:xfrm>
+          <a:prstGeom prst="rect">
+            <a:avLst/>
+          </a:prstGeom>
+        </p:spPr>
+        <p:txBody>
+          <a:bodyPr vert="horz" lIns="91440" tIns="45720" rIns="91440" bIns="45720" rtlCol="0" anchor="t">
+            <a:normAutofit fontScale="77500" lnSpcReduction="20000"/>
+          </a:bodyPr>
+          <a:lstStyle>
+            <a:lvl1pPr algn="l" defTabSz="457200" rtl="0" eaLnBrk="1" latinLnBrk="0" hangingPunct="1">
+              <a:spcBef>
+                <a:spcPct val="0"/>
+              </a:spcBef>
+              <a:buNone/>
+              <a:defRPr sz="3600" kern="1200">
+                <a:solidFill>
+                  <a:schemeClr val="tx1">
+                    <a:lumMod val="85000"/>
+                    <a:lumOff val="15000"/>
+                  </a:schemeClr>
+                </a:solidFill>
+                <a:latin typeface="+mj-lt"/>
+                <a:ea typeface="+mj-ea"/>
+                <a:cs typeface="+mj-cs"/>
+              </a:defRPr>
+            </a:lvl1pPr>
+            <a:lvl2pPr eaLnBrk="1" hangingPunct="1">
+              <a:defRPr>
+                <a:solidFill>
+                  <a:schemeClr val="tx2"/>
+                </a:solidFill>
+              </a:defRPr>
+            </a:lvl2pPr>
+            <a:lvl3pPr eaLnBrk="1" hangingPunct="1">
+              <a:defRPr>
+                <a:solidFill>
+                  <a:schemeClr val="tx2"/>
+                </a:solidFill>
+              </a:defRPr>
+            </a:lvl3pPr>
+            <a:lvl4pPr eaLnBrk="1" hangingPunct="1">
+              <a:defRPr>
+                <a:solidFill>
+                  <a:schemeClr val="tx2"/>
+                </a:solidFill>
+              </a:defRPr>
+            </a:lvl4pPr>
+            <a:lvl5pPr eaLnBrk="1" hangingPunct="1">
+              <a:defRPr>
+                <a:solidFill>
+                  <a:schemeClr val="tx2"/>
+                </a:solidFill>
+              </a:defRPr>
+            </a:lvl5pPr>
+            <a:lvl6pPr eaLnBrk="1" hangingPunct="1">
+              <a:defRPr>
+                <a:solidFill>
+                  <a:schemeClr val="tx2"/>
+                </a:solidFill>
+              </a:defRPr>
+            </a:lvl6pPr>
+            <a:lvl7pPr eaLnBrk="1" hangingPunct="1">
+              <a:defRPr>
+                <a:solidFill>
+                  <a:schemeClr val="tx2"/>
+                </a:solidFill>
+              </a:defRPr>
+            </a:lvl7pPr>
+            <a:lvl8pPr eaLnBrk="1" hangingPunct="1">
+              <a:defRPr>
+                <a:solidFill>
+                  <a:schemeClr val="tx2"/>
+                </a:solidFill>
+              </a:defRPr>
+            </a:lvl8pPr>
+            <a:lvl9pPr eaLnBrk="1" hangingPunct="1">
+              <a:defRPr>
+                <a:solidFill>
+                  <a:schemeClr val="tx2"/>
+                </a:solidFill>
+              </a:defRPr>
+            </a:lvl9pPr>
+          </a:lstStyle>
+          <a:p>
+            <a:r>
+              <a:rPr lang="es-CO" dirty="0" smtClean="0"/>
+              <a:t>Plataforma web – Unidad de Atención</a:t>
+            </a:r>
+            <a:endParaRPr lang="es-CO" dirty="0"/>
+          </a:p>
+        </p:txBody>
+      </p:sp>
+      <p:sp>
+        <p:nvSpPr>
+          <p:cNvPr id="8" name="2 Marcador de contenido"/>
+          <p:cNvSpPr txBox="1">
+            <a:spLocks/>
+          </p:cNvSpPr>
+          <p:nvPr/>
+        </p:nvSpPr>
+        <p:spPr>
+          <a:xfrm>
+            <a:off x="1923206" y="624322"/>
+            <a:ext cx="6243763" cy="1492576"/>
+          </a:xfrm>
+          <a:prstGeom prst="rect">
+            <a:avLst/>
+          </a:prstGeom>
+        </p:spPr>
+        <p:txBody>
+          <a:bodyPr vert="horz" lIns="91440" tIns="45720" rIns="91440" bIns="45720" rtlCol="0">
+            <a:normAutofit/>
+          </a:bodyPr>
+          <a:lstStyle>
+            <a:lvl1pPr marL="342900" indent="-342900" algn="l" defTabSz="457200" rtl="0" eaLnBrk="1" latinLnBrk="0" hangingPunct="1">
+              <a:spcBef>
+                <a:spcPts val="1000"/>
+              </a:spcBef>
+              <a:spcAft>
+                <a:spcPts val="0"/>
+              </a:spcAft>
+              <a:buClr>
+                <a:schemeClr val="accent1"/>
+              </a:buClr>
+              <a:buFont typeface="Wingdings 3" charset="2"/>
+              <a:buChar char=""/>
+              <a:defRPr sz="1800" kern="1200">
+                <a:solidFill>
+                  <a:schemeClr val="tx1">
+                    <a:lumMod val="75000"/>
+                    <a:lumOff val="25000"/>
+                  </a:schemeClr>
+                </a:solidFill>
+                <a:latin typeface="+mn-lt"/>
+                <a:ea typeface="+mn-ea"/>
+                <a:cs typeface="+mn-cs"/>
+              </a:defRPr>
+            </a:lvl1pPr>
+            <a:lvl2pPr marL="742950" indent="-285750" algn="l" defTabSz="457200" rtl="0" eaLnBrk="1" latinLnBrk="0" hangingPunct="1">
+              <a:spcBef>
+                <a:spcPts val="1000"/>
+              </a:spcBef>
+              <a:spcAft>
+                <a:spcPts val="0"/>
+              </a:spcAft>
+              <a:buClr>
+                <a:schemeClr val="accent1"/>
+              </a:buClr>
+              <a:buFont typeface="Wingdings 3" charset="2"/>
+              <a:buChar char=""/>
+              <a:defRPr sz="1600" kern="1200">
+                <a:solidFill>
+                  <a:schemeClr val="tx1">
+                    <a:lumMod val="75000"/>
+                    <a:lumOff val="25000"/>
+                  </a:schemeClr>
+                </a:solidFill>
+                <a:latin typeface="+mn-lt"/>
+                <a:ea typeface="+mn-ea"/>
+                <a:cs typeface="+mn-cs"/>
+              </a:defRPr>
+            </a:lvl2pPr>
+            <a:lvl3pPr marL="1143000" indent="-228600" algn="l" defTabSz="457200" rtl="0" eaLnBrk="1" latinLnBrk="0" hangingPunct="1">
+              <a:spcBef>
+                <a:spcPts val="1000"/>
+              </a:spcBef>
+              <a:spcAft>
+                <a:spcPts val="0"/>
+              </a:spcAft>
+              <a:buClr>
+                <a:schemeClr val="accent1"/>
+              </a:buClr>
+              <a:buFont typeface="Wingdings 3" charset="2"/>
+              <a:buChar char=""/>
+              <a:defRPr sz="1400" kern="1200">
+                <a:solidFill>
+                  <a:schemeClr val="tx1">
+                    <a:lumMod val="75000"/>
+                    <a:lumOff val="25000"/>
+                  </a:schemeClr>
+                </a:solidFill>
+                <a:latin typeface="+mn-lt"/>
+                <a:ea typeface="+mn-ea"/>
+                <a:cs typeface="+mn-cs"/>
+              </a:defRPr>
+            </a:lvl3pPr>
+            <a:lvl4pPr marL="1600200" indent="-228600" algn="l" defTabSz="457200" rtl="0" eaLnBrk="1" latinLnBrk="0" hangingPunct="1">
+              <a:spcBef>
+                <a:spcPts val="1000"/>
+              </a:spcBef>
+              <a:spcAft>
+                <a:spcPts val="0"/>
+              </a:spcAft>
+              <a:buClr>
+                <a:schemeClr val="accent1"/>
+              </a:buClr>
+              <a:buFont typeface="Wingdings 3" charset="2"/>
+              <a:buChar char=""/>
+              <a:defRPr sz="1200" kern="1200">
+                <a:solidFill>
+                  <a:schemeClr val="tx1">
+                    <a:lumMod val="75000"/>
+                    <a:lumOff val="25000"/>
+                  </a:schemeClr>
+                </a:solidFill>
+                <a:latin typeface="+mn-lt"/>
+                <a:ea typeface="+mn-ea"/>
+                <a:cs typeface="+mn-cs"/>
+              </a:defRPr>
+            </a:lvl4pPr>
+            <a:lvl5pPr marL="2057400" indent="-228600" algn="l" defTabSz="457200" rtl="0" eaLnBrk="1" latinLnBrk="0" hangingPunct="1">
+              <a:spcBef>
+                <a:spcPts val="1000"/>
+              </a:spcBef>
+              <a:spcAft>
+                <a:spcPts val="0"/>
+              </a:spcAft>
+              <a:buClr>
+                <a:schemeClr val="accent1"/>
+              </a:buClr>
+              <a:buFont typeface="Wingdings 3" charset="2"/>
+              <a:buChar char=""/>
+              <a:defRPr sz="1200" kern="1200">
+                <a:solidFill>
+                  <a:schemeClr val="tx1">
+                    <a:lumMod val="75000"/>
+                    <a:lumOff val="25000"/>
+                  </a:schemeClr>
+                </a:solidFill>
+                <a:latin typeface="+mn-lt"/>
+                <a:ea typeface="+mn-ea"/>
+                <a:cs typeface="+mn-cs"/>
+              </a:defRPr>
+            </a:lvl5pPr>
+            <a:lvl6pPr marL="2514600" indent="-228600" algn="l" defTabSz="457200" rtl="0" eaLnBrk="1" latinLnBrk="0" hangingPunct="1">
+              <a:spcBef>
+                <a:spcPts val="1000"/>
+              </a:spcBef>
+              <a:spcAft>
+                <a:spcPts val="0"/>
+              </a:spcAft>
+              <a:buClr>
+                <a:schemeClr val="accent1"/>
+              </a:buClr>
+              <a:buFont typeface="Wingdings 3" charset="2"/>
+              <a:buChar char=""/>
+              <a:defRPr sz="1200" kern="1200">
+                <a:solidFill>
+                  <a:schemeClr val="tx1">
+                    <a:lumMod val="75000"/>
+                    <a:lumOff val="25000"/>
+                  </a:schemeClr>
+                </a:solidFill>
+                <a:latin typeface="+mn-lt"/>
+                <a:ea typeface="+mn-ea"/>
+                <a:cs typeface="+mn-cs"/>
+              </a:defRPr>
+            </a:lvl6pPr>
+            <a:lvl7pPr marL="2971800" indent="-228600" algn="l" defTabSz="457200" rtl="0" eaLnBrk="1" latinLnBrk="0" hangingPunct="1">
+              <a:spcBef>
+                <a:spcPts val="1000"/>
+              </a:spcBef>
+              <a:spcAft>
+                <a:spcPts val="0"/>
+              </a:spcAft>
+              <a:buClr>
+                <a:schemeClr val="accent1"/>
+              </a:buClr>
+              <a:buFont typeface="Wingdings 3" charset="2"/>
+              <a:buChar char=""/>
+              <a:defRPr sz="1200" kern="1200">
+                <a:solidFill>
+                  <a:schemeClr val="tx1">
+                    <a:lumMod val="75000"/>
+                    <a:lumOff val="25000"/>
+                  </a:schemeClr>
+                </a:solidFill>
+                <a:latin typeface="+mn-lt"/>
+                <a:ea typeface="+mn-ea"/>
+                <a:cs typeface="+mn-cs"/>
+              </a:defRPr>
+            </a:lvl7pPr>
+            <a:lvl8pPr marL="3429000" indent="-228600" algn="l" defTabSz="457200" rtl="0" eaLnBrk="1" latinLnBrk="0" hangingPunct="1">
+              <a:spcBef>
+                <a:spcPts val="1000"/>
+              </a:spcBef>
+              <a:spcAft>
+                <a:spcPts val="0"/>
+              </a:spcAft>
+              <a:buClr>
+                <a:schemeClr val="accent1"/>
+              </a:buClr>
+              <a:buFont typeface="Wingdings 3" charset="2"/>
+              <a:buChar char=""/>
+              <a:defRPr sz="1200" kern="1200">
+                <a:solidFill>
+                  <a:schemeClr val="tx1">
+                    <a:lumMod val="75000"/>
+                    <a:lumOff val="25000"/>
+                  </a:schemeClr>
+                </a:solidFill>
+                <a:latin typeface="+mn-lt"/>
+                <a:ea typeface="+mn-ea"/>
+                <a:cs typeface="+mn-cs"/>
+              </a:defRPr>
+            </a:lvl8pPr>
+            <a:lvl9pPr marL="3886200" indent="-228600" algn="l" defTabSz="457200" rtl="0" eaLnBrk="1" latinLnBrk="0" hangingPunct="1">
+              <a:spcBef>
+                <a:spcPts val="1000"/>
+              </a:spcBef>
+              <a:spcAft>
+                <a:spcPts val="0"/>
+              </a:spcAft>
+              <a:buClr>
+                <a:schemeClr val="accent1"/>
+              </a:buClr>
+              <a:buFont typeface="Wingdings 3" charset="2"/>
+              <a:buChar char=""/>
+              <a:defRPr sz="1200" kern="1200">
+                <a:solidFill>
+                  <a:schemeClr val="tx1">
+                    <a:lumMod val="75000"/>
+                    <a:lumOff val="25000"/>
+                  </a:schemeClr>
+                </a:solidFill>
+                <a:latin typeface="+mn-lt"/>
+                <a:ea typeface="+mn-ea"/>
+                <a:cs typeface="+mn-cs"/>
+              </a:defRPr>
+            </a:lvl9pPr>
+          </a:lstStyle>
+          <a:p>
+            <a:pPr>
+              <a:buFont typeface="Wingdings 3" charset="2"/>
+              <a:buNone/>
+            </a:pPr>
+            <a:endParaRPr lang="es-CO" sz="3200" dirty="0" smtClean="0"/>
+          </a:p>
+          <a:p>
+            <a:r>
+              <a:rPr lang="es-CO" sz="3200" dirty="0" smtClean="0"/>
+              <a:t>Administración de entidades</a:t>
+            </a:r>
+          </a:p>
+          <a:p>
+            <a:endParaRPr lang="es-CO" sz="3200" dirty="0" smtClean="0"/>
+          </a:p>
+          <a:p>
+            <a:endParaRPr lang="es-CO" sz="3200" dirty="0" smtClean="0"/>
+          </a:p>
+          <a:p>
+            <a:endParaRPr lang="es-CO" sz="3200" dirty="0" smtClean="0"/>
+          </a:p>
+          <a:p>
+            <a:pPr>
+              <a:buFont typeface="Wingdings 3" charset="2"/>
+              <a:buNone/>
+            </a:pPr>
+            <a:endParaRPr lang="es-CO" sz="3200" dirty="0" smtClean="0"/>
+          </a:p>
+          <a:p>
+            <a:endParaRPr lang="es-CO" sz="3200" dirty="0" smtClean="0"/>
+          </a:p>
+          <a:p>
+            <a:endParaRPr lang="es-CO" sz="3200" dirty="0"/>
+          </a:p>
+        </p:txBody>
+      </p:sp>
+      <p:pic>
+        <p:nvPicPr>
+          <p:cNvPr id="9" name="Picture 4" descr="C:\Users\Alexandra\Documents\GitHub\Reparación-ScreenShots\web-regitro-entidad.png"/>
+          <p:cNvPicPr>
+            <a:picLocks noChangeAspect="1" noChangeArrowheads="1"/>
+          </p:cNvPicPr>
+          <p:nvPr/>
+        </p:nvPicPr>
+        <p:blipFill>
+          <a:blip r:embed="rId2"/>
+          <a:srcRect/>
+          <a:stretch>
+            <a:fillRect/>
+          </a:stretch>
+        </p:blipFill>
+        <p:spPr bwMode="auto">
+          <a:xfrm>
+            <a:off x="350287" y="2382253"/>
+            <a:ext cx="5621149" cy="4128593"/>
+          </a:xfrm>
+          <a:prstGeom prst="rect">
+            <a:avLst/>
+          </a:prstGeom>
+          <a:ln>
+            <a:noFill/>
+          </a:ln>
+          <a:effectLst>
+            <a:outerShdw blurRad="292100" dist="139700" dir="2700000" algn="tl" rotWithShape="0">
+              <a:srgbClr val="333333">
+                <a:alpha val="65000"/>
+              </a:srgbClr>
+            </a:outerShdw>
+          </a:effectLst>
+        </p:spPr>
+      </p:pic>
+      <p:pic>
+        <p:nvPicPr>
+          <p:cNvPr id="10" name="Picture 5" descr="C:\Users\Alexandra\Documents\GitHub\Reparación-ScreenShots\web-lista-entidades.png"/>
+          <p:cNvPicPr>
+            <a:picLocks noChangeAspect="1" noChangeArrowheads="1"/>
+          </p:cNvPicPr>
+          <p:nvPr/>
+        </p:nvPicPr>
+        <p:blipFill>
+          <a:blip r:embed="rId3"/>
+          <a:srcRect/>
+          <a:stretch>
+            <a:fillRect/>
+          </a:stretch>
+        </p:blipFill>
+        <p:spPr bwMode="auto">
+          <a:xfrm>
+            <a:off x="6298617" y="2382253"/>
+            <a:ext cx="5572901" cy="2853109"/>
+          </a:xfrm>
+          <a:prstGeom prst="rect">
+            <a:avLst/>
+          </a:prstGeom>
+          <a:ln>
+            <a:noFill/>
+          </a:ln>
+          <a:effectLst>
+            <a:outerShdw blurRad="292100" dist="139700" dir="2700000" algn="tl" rotWithShape="0">
+              <a:srgbClr val="333333">
+                <a:alpha val="65000"/>
+              </a:srgbClr>
+            </a:outerShdw>
+          </a:effectLst>
+        </p:spPr>
+      </p:pic>
+    </p:spTree>
+    <p:extLst>
+      <p:ext uri="{BB962C8B-B14F-4D97-AF65-F5344CB8AC3E}">
+        <p14:creationId xmlns:p14="http://schemas.microsoft.com/office/powerpoint/2010/main" val="3521001154"/>
+      </p:ext>
+    </p:extLst>
+  </p:cSld>
+  <p:clrMapOvr>
+    <a:masterClrMapping/>
+  </p:clrMapOvr>
+  <p:timing>
+    <p:tnLst>
+      <p:par>
+        <p:cTn id="1" dur="indefinite" restart="never" nodeType="tmRoot"/>
+      </p:par>
+    </p:tnLst>
+  </p:timing>
+</p:sld>
+</file>
+
+<file path=ppt/slides/slide4.xml><?xml version="1.0" encoding="utf-8"?>
+<p:sld xmlns:a="http://schemas.openxmlformats.org/drawingml/2006/main" xmlns:r="http://schemas.openxmlformats.org/officeDocument/2006/relationships" xmlns:p="http://schemas.openxmlformats.org/presentationml/2006/main">
+  <p:cSld>
+    <p:spTree>
+      <p:nvGrpSpPr>
+        <p:cNvPr id="1" name=""/>
+        <p:cNvGrpSpPr/>
+        <p:nvPr/>
+      </p:nvGrpSpPr>
+      <p:grpSpPr>
+        <a:xfrm>
+          <a:off x="0" y="0"/>
+          <a:ext cx="0" cy="0"/>
+          <a:chOff x="0" y="0"/>
+          <a:chExt cx="0" cy="0"/>
+        </a:xfrm>
+      </p:grpSpPr>
+      <p:sp>
+        <p:nvSpPr>
+          <p:cNvPr id="6" name="2 Marcador de contenido"/>
+          <p:cNvSpPr>
+            <a:spLocks noGrp="1"/>
+          </p:cNvSpPr>
+          <p:nvPr>
+            <p:ph sz="quarter" idx="1"/>
+          </p:nvPr>
+        </p:nvSpPr>
+        <p:spPr>
+          <a:xfrm>
+            <a:off x="1299111" y="1060525"/>
+            <a:ext cx="4518172" cy="2223041"/>
+          </a:xfrm>
+        </p:spPr>
+        <p:txBody>
+          <a:bodyPr>
+            <a:normAutofit/>
+          </a:bodyPr>
+          <a:lstStyle/>
+          <a:p>
+            <a:pPr>
+              <a:buNone/>
+            </a:pPr>
+            <a:endParaRPr lang="es-CO" sz="2800" dirty="0" smtClean="0"/>
+          </a:p>
+          <a:p>
+            <a:r>
+              <a:rPr lang="es-CO" sz="2800" dirty="0" smtClean="0"/>
+              <a:t>Aprobación de </a:t>
+            </a:r>
+            <a:r>
+              <a:rPr lang="es-CO" sz="2800" dirty="0" smtClean="0"/>
+              <a:t>programas</a:t>
+            </a:r>
+            <a:endParaRPr lang="es-CO" sz="2800" dirty="0" smtClean="0"/>
+          </a:p>
+          <a:p>
+            <a:endParaRPr lang="es-CO" sz="2800" dirty="0" smtClean="0"/>
+          </a:p>
+          <a:p>
+            <a:endParaRPr lang="es-CO" sz="2800" dirty="0" smtClean="0"/>
+          </a:p>
+          <a:p>
+            <a:pPr>
+              <a:buNone/>
+            </a:pPr>
+            <a:endParaRPr lang="es-CO" sz="2800" dirty="0" smtClean="0"/>
+          </a:p>
+          <a:p>
+            <a:endParaRPr lang="es-CO" sz="2800" dirty="0" smtClean="0"/>
+          </a:p>
+          <a:p>
+            <a:endParaRPr lang="es-CO" sz="2800" dirty="0"/>
+          </a:p>
+        </p:txBody>
+      </p:sp>
+      <p:pic>
+        <p:nvPicPr>
+          <p:cNvPr id="12" name="Picture 3" descr="C:\Users\Alexandra\Documents\GitHub\Reparación-ScreenShots\web-programas-aprobados.png"/>
+          <p:cNvPicPr>
+            <a:picLocks noChangeAspect="1" noChangeArrowheads="1"/>
+          </p:cNvPicPr>
+          <p:nvPr/>
+        </p:nvPicPr>
+        <p:blipFill>
+          <a:blip r:embed="rId2"/>
+          <a:srcRect/>
+          <a:stretch>
+            <a:fillRect/>
+          </a:stretch>
+        </p:blipFill>
+        <p:spPr bwMode="auto">
+          <a:xfrm>
+            <a:off x="382569" y="3599488"/>
+            <a:ext cx="4753104" cy="2958814"/>
+          </a:xfrm>
+          <a:prstGeom prst="rect">
+            <a:avLst/>
+          </a:prstGeom>
+          <a:ln>
+            <a:noFill/>
+          </a:ln>
+          <a:effectLst>
+            <a:outerShdw blurRad="292100" dist="139700" dir="2700000" algn="tl" rotWithShape="0">
+              <a:srgbClr val="333333">
+                <a:alpha val="65000"/>
+              </a:srgbClr>
+            </a:outerShdw>
+          </a:effectLst>
+        </p:spPr>
+      </p:pic>
+      <p:pic>
+        <p:nvPicPr>
+          <p:cNvPr id="13" name="Picture 4" descr="C:\Users\Alexandra\Documents\GitHub\Reparación-ScreenShots\web-aprobar-programa.png"/>
+          <p:cNvPicPr>
+            <a:picLocks noChangeAspect="1" noChangeArrowheads="1"/>
+          </p:cNvPicPr>
+          <p:nvPr/>
+        </p:nvPicPr>
+        <p:blipFill>
+          <a:blip r:embed="rId3"/>
+          <a:srcRect/>
+          <a:stretch>
+            <a:fillRect/>
+          </a:stretch>
+        </p:blipFill>
+        <p:spPr bwMode="auto">
+          <a:xfrm>
+            <a:off x="5498926" y="798759"/>
+            <a:ext cx="6255926" cy="4505893"/>
+          </a:xfrm>
+          <a:prstGeom prst="rect">
+            <a:avLst/>
+          </a:prstGeom>
+          <a:ln>
+            <a:noFill/>
+          </a:ln>
+          <a:effectLst>
+            <a:outerShdw blurRad="292100" dist="139700" dir="2700000" algn="tl" rotWithShape="0">
+              <a:srgbClr val="333333">
+                <a:alpha val="65000"/>
+              </a:srgbClr>
+            </a:outerShdw>
+          </a:effectLst>
+        </p:spPr>
+      </p:pic>
+      <p:sp>
+        <p:nvSpPr>
+          <p:cNvPr id="14" name="1 Título"/>
+          <p:cNvSpPr txBox="1">
+            <a:spLocks/>
+          </p:cNvSpPr>
+          <p:nvPr/>
+        </p:nvSpPr>
+        <p:spPr>
+          <a:xfrm>
+            <a:off x="1617468" y="166915"/>
+            <a:ext cx="7467600" cy="631844"/>
+          </a:xfrm>
+          <a:prstGeom prst="rect">
+            <a:avLst/>
+          </a:prstGeom>
+        </p:spPr>
+        <p:txBody>
+          <a:bodyPr vert="horz" lIns="91440" tIns="45720" rIns="91440" bIns="45720" rtlCol="0" anchor="t">
+            <a:normAutofit fontScale="77500" lnSpcReduction="20000"/>
+          </a:bodyPr>
+          <a:lstStyle>
+            <a:lvl1pPr algn="l" defTabSz="457200" rtl="0" eaLnBrk="1" latinLnBrk="0" hangingPunct="1">
+              <a:spcBef>
+                <a:spcPct val="0"/>
+              </a:spcBef>
+              <a:buNone/>
+              <a:defRPr sz="3600" kern="1200">
+                <a:solidFill>
+                  <a:schemeClr val="tx1">
+                    <a:lumMod val="85000"/>
+                    <a:lumOff val="15000"/>
+                  </a:schemeClr>
+                </a:solidFill>
+                <a:latin typeface="+mj-lt"/>
+                <a:ea typeface="+mj-ea"/>
+                <a:cs typeface="+mj-cs"/>
+              </a:defRPr>
+            </a:lvl1pPr>
+            <a:lvl2pPr eaLnBrk="1" hangingPunct="1">
+              <a:defRPr>
+                <a:solidFill>
+                  <a:schemeClr val="tx2"/>
+                </a:solidFill>
+              </a:defRPr>
+            </a:lvl2pPr>
+            <a:lvl3pPr eaLnBrk="1" hangingPunct="1">
+              <a:defRPr>
+                <a:solidFill>
+                  <a:schemeClr val="tx2"/>
+                </a:solidFill>
+              </a:defRPr>
+            </a:lvl3pPr>
+            <a:lvl4pPr eaLnBrk="1" hangingPunct="1">
+              <a:defRPr>
+                <a:solidFill>
+                  <a:schemeClr val="tx2"/>
+                </a:solidFill>
+              </a:defRPr>
+            </a:lvl4pPr>
+            <a:lvl5pPr eaLnBrk="1" hangingPunct="1">
+              <a:defRPr>
+                <a:solidFill>
+                  <a:schemeClr val="tx2"/>
+                </a:solidFill>
+              </a:defRPr>
+            </a:lvl5pPr>
+            <a:lvl6pPr eaLnBrk="1" hangingPunct="1">
+              <a:defRPr>
+                <a:solidFill>
+                  <a:schemeClr val="tx2"/>
+                </a:solidFill>
+              </a:defRPr>
+            </a:lvl6pPr>
+            <a:lvl7pPr eaLnBrk="1" hangingPunct="1">
+              <a:defRPr>
+                <a:solidFill>
+                  <a:schemeClr val="tx2"/>
+                </a:solidFill>
+              </a:defRPr>
+            </a:lvl7pPr>
+            <a:lvl8pPr eaLnBrk="1" hangingPunct="1">
+              <a:defRPr>
+                <a:solidFill>
+                  <a:schemeClr val="tx2"/>
+                </a:solidFill>
+              </a:defRPr>
+            </a:lvl8pPr>
+            <a:lvl9pPr eaLnBrk="1" hangingPunct="1">
+              <a:defRPr>
+                <a:solidFill>
+                  <a:schemeClr val="tx2"/>
+                </a:solidFill>
+              </a:defRPr>
+            </a:lvl9pPr>
+          </a:lstStyle>
+          <a:p>
+            <a:r>
+              <a:rPr lang="es-CO" dirty="0" smtClean="0"/>
+              <a:t>Plataforma web – Unidad de Atención</a:t>
+            </a:r>
+            <a:endParaRPr lang="es-CO" dirty="0"/>
+          </a:p>
+        </p:txBody>
+      </p:sp>
+    </p:spTree>
+    <p:extLst>
+      <p:ext uri="{BB962C8B-B14F-4D97-AF65-F5344CB8AC3E}">
+        <p14:creationId xmlns:p14="http://schemas.microsoft.com/office/powerpoint/2010/main" val="3316984132"/>
+      </p:ext>
+    </p:extLst>
+  </p:cSld>
+  <p:clrMapOvr>
+    <a:masterClrMapping/>
+  </p:clrMapOvr>
+  <p:timing>
+    <p:tnLst>
+      <p:par>
+        <p:cTn id="1" dur="indefinite" restart="never" nodeType="tmRoot"/>
+      </p:par>
+    </p:tnLst>
+  </p:timing>
+</p:sld>
+</file>
+
+<file path=ppt/slides/slide5.xml><?xml version="1.0" encoding="utf-8"?>
+<p:sld xmlns:a="http://schemas.openxmlformats.org/drawingml/2006/main" xmlns:r="http://schemas.openxmlformats.org/officeDocument/2006/relationships" xmlns:p="http://schemas.openxmlformats.org/presentationml/2006/main">
+  <p:cSld>
+    <p:spTree>
+      <p:nvGrpSpPr>
+        <p:cNvPr id="1" name=""/>
+        <p:cNvGrpSpPr/>
+        <p:nvPr/>
+      </p:nvGrpSpPr>
+      <p:grpSpPr>
+        <a:xfrm>
+          <a:off x="0" y="0"/>
+          <a:ext cx="0" cy="0"/>
+          <a:chOff x="0" y="0"/>
+          <a:chExt cx="0" cy="0"/>
+        </a:xfrm>
+      </p:grpSpPr>
+      <p:sp>
+        <p:nvSpPr>
+          <p:cNvPr id="2" name="Título 1"/>
+          <p:cNvSpPr>
+            <a:spLocks noGrp="1"/>
+          </p:cNvSpPr>
+          <p:nvPr>
+            <p:ph type="title"/>
+          </p:nvPr>
+        </p:nvSpPr>
+        <p:spPr>
+          <a:xfrm>
+            <a:off x="1729055" y="546811"/>
+            <a:ext cx="8911687" cy="723427"/>
+          </a:xfrm>
+        </p:spPr>
+        <p:txBody>
+          <a:bodyPr/>
+          <a:lstStyle/>
+          <a:p>
+            <a:r>
+              <a:rPr lang="es-CO" dirty="0" smtClean="0"/>
+              <a:t>SERVICIOS MÓVILES - APP</a:t>
+            </a:r>
+            <a:endParaRPr lang="es-CO" dirty="0"/>
+          </a:p>
+        </p:txBody>
+      </p:sp>
+      <p:sp>
+        <p:nvSpPr>
+          <p:cNvPr id="3" name="Marcador de contenido 2"/>
+          <p:cNvSpPr>
+            <a:spLocks noGrp="1"/>
+          </p:cNvSpPr>
+          <p:nvPr>
+            <p:ph idx="1"/>
+          </p:nvPr>
+        </p:nvSpPr>
+        <p:spPr>
+          <a:xfrm>
+            <a:off x="2386330" y="2245457"/>
+            <a:ext cx="5029200" cy="5017168"/>
+          </a:xfrm>
+        </p:spPr>
+        <p:txBody>
+          <a:bodyPr>
+            <a:normAutofit/>
+          </a:bodyPr>
+          <a:lstStyle/>
+          <a:p>
+            <a:r>
+              <a:rPr lang="es-CO" sz="3200" dirty="0" smtClean="0"/>
+              <a:t>Opciones para atención integral</a:t>
+            </a:r>
+            <a:endParaRPr lang="es-CO" sz="3200" dirty="0"/>
+          </a:p>
+        </p:txBody>
+      </p:sp>
+      <p:pic>
+        <p:nvPicPr>
+          <p:cNvPr id="4" name="Imagen 3"/>
+          <p:cNvPicPr>
+            <a:picLocks noChangeAspect="1"/>
+          </p:cNvPicPr>
+          <p:nvPr/>
+        </p:nvPicPr>
+        <p:blipFill>
+          <a:blip r:embed="rId2">
+            <a:extLst>
+              <a:ext uri="{28A0092B-C50C-407E-A947-70E740481C1C}">
+                <a14:useLocalDpi xmlns:a14="http://schemas.microsoft.com/office/drawing/2010/main" val="0"/>
+              </a:ext>
+            </a:extLst>
+          </a:blip>
+          <a:stretch>
+            <a:fillRect/>
+          </a:stretch>
+        </p:blipFill>
+        <p:spPr>
+          <a:xfrm>
+            <a:off x="7935019" y="546811"/>
+            <a:ext cx="3664083" cy="6106805"/>
+          </a:xfrm>
+          <a:prstGeom prst="rect">
+            <a:avLst/>
+          </a:prstGeom>
+          <a:ln>
+            <a:noFill/>
+          </a:ln>
+          <a:effectLst>
+            <a:outerShdw blurRad="292100" dist="139700" dir="2700000" algn="tl" rotWithShape="0">
+              <a:srgbClr val="333333">
+                <a:alpha val="65000"/>
+              </a:srgbClr>
+            </a:outerShdw>
+          </a:effectLst>
+        </p:spPr>
+      </p:pic>
+    </p:spTree>
+    <p:extLst>
+      <p:ext uri="{BB962C8B-B14F-4D97-AF65-F5344CB8AC3E}">
+        <p14:creationId xmlns:p14="http://schemas.microsoft.com/office/powerpoint/2010/main" val="1631767635"/>
       </p:ext>
     </p:extLst>
   </p:cSld>
@@ -8778,55 +9743,27 @@
         </p:nvSpPr>
         <p:spPr>
           <a:xfrm>
-            <a:off x="1729055" y="106752"/>
-            <a:ext cx="8911687" cy="723427"/>
-          </a:xfrm>
-        </p:spPr>
-        <p:txBody>
-          <a:bodyPr/>
-          <a:lstStyle/>
-          <a:p>
-            <a:r>
-              <a:rPr lang="es-CO" dirty="0" smtClean="0"/>
-              <a:t>¿Soy víctima? – ABC de la ley</a:t>
-            </a:r>
-            <a:endParaRPr lang="es-CO" dirty="0"/>
-          </a:p>
-        </p:txBody>
-      </p:sp>
-      <p:sp>
-        <p:nvSpPr>
-          <p:cNvPr id="3" name="Marcador de contenido 2"/>
-          <p:cNvSpPr>
-            <a:spLocks noGrp="1"/>
-          </p:cNvSpPr>
-          <p:nvPr>
-            <p:ph idx="1"/>
-          </p:nvPr>
-        </p:nvSpPr>
-        <p:spPr>
-          <a:xfrm>
-            <a:off x="7038015" y="1479119"/>
-            <a:ext cx="4202774" cy="2057398"/>
+            <a:off x="3460778" y="94226"/>
+            <a:ext cx="5545435" cy="723427"/>
           </a:xfrm>
         </p:spPr>
         <p:txBody>
           <a:bodyPr>
-            <a:noAutofit/>
+            <a:normAutofit/>
           </a:bodyPr>
           <a:lstStyle/>
           <a:p>
             <a:r>
-              <a:rPr lang="es-CO" sz="2000" dirty="0" smtClean="0"/>
-              <a:t>Este módulo brindará información de primera mano para guiar al usuario en el proceso de declaración de víctima, por medio de un paso a paso.</a:t>
-            </a:r>
-            <a:endParaRPr lang="es-CO" sz="2000" dirty="0"/>
+              <a:rPr lang="es-CO" sz="4000" dirty="0" smtClean="0"/>
+              <a:t>Consultar Programas</a:t>
+            </a:r>
+            <a:endParaRPr lang="es-CO" sz="4000" dirty="0"/>
           </a:p>
         </p:txBody>
       </p:sp>
       <p:pic>
         <p:nvPicPr>
-          <p:cNvPr id="4" name="Imagen 3"/>
+          <p:cNvPr id="5" name="Imagen 4"/>
           <p:cNvPicPr>
             <a:picLocks noChangeAspect="1"/>
           </p:cNvPicPr>
@@ -8846,8 +9783,8 @@
         </p:blipFill>
         <p:spPr>
           <a:xfrm>
-            <a:off x="633663" y="1334739"/>
-            <a:ext cx="2916111" cy="4860185"/>
+            <a:off x="1841241" y="1030596"/>
+            <a:ext cx="3370246" cy="5617078"/>
           </a:xfrm>
           <a:prstGeom prst="rect">
             <a:avLst/>
@@ -8866,7 +9803,7 @@
       </p:pic>
       <p:pic>
         <p:nvPicPr>
-          <p:cNvPr id="7" name="Imagen 6"/>
+          <p:cNvPr id="6" name="Imagen 5"/>
           <p:cNvPicPr>
             <a:picLocks noChangeAspect="1"/>
           </p:cNvPicPr>
@@ -8886,8 +9823,8 @@
         </p:blipFill>
         <p:spPr>
           <a:xfrm>
-            <a:off x="3835839" y="1334739"/>
-            <a:ext cx="2916111" cy="4860185"/>
+            <a:off x="7472772" y="1030596"/>
+            <a:ext cx="3370246" cy="5617078"/>
           </a:xfrm>
           <a:prstGeom prst="rect">
             <a:avLst/>
@@ -8907,7 +9844,7 @@
     </p:spTree>
     <p:extLst>
       <p:ext uri="{BB962C8B-B14F-4D97-AF65-F5344CB8AC3E}">
-        <p14:creationId xmlns:p14="http://schemas.microsoft.com/office/powerpoint/2010/main" val="4237243474"/>
+        <p14:creationId xmlns:p14="http://schemas.microsoft.com/office/powerpoint/2010/main" val="260071093"/>
       </p:ext>
     </p:extLst>
   </p:cSld>
@@ -8963,7 +9900,7 @@
           <a:p>
             <a:r>
               <a:rPr lang="es-CO" dirty="0" smtClean="0"/>
-              <a:t>Puntos de atención</a:t>
+              <a:t>Consultar Programas – Redes sociales</a:t>
             </a:r>
             <a:endParaRPr lang="es-CO" dirty="0"/>
           </a:p>
@@ -8981,8 +9918,8 @@
         </p:nvSpPr>
         <p:spPr>
           <a:xfrm>
-            <a:off x="889878" y="1551309"/>
-            <a:ext cx="4331827" cy="2551460"/>
+            <a:off x="1428007" y="1672390"/>
+            <a:ext cx="4202774" cy="2057398"/>
           </a:xfrm>
         </p:spPr>
         <p:txBody>
@@ -8992,16 +9929,32 @@
           <a:lstStyle/>
           <a:p>
             <a:r>
-              <a:rPr lang="es-CO" sz="2000" dirty="0" smtClean="0"/>
-              <a:t>Con el uso de este módulo el usuario podrá ubicar geográficamente según el departamento y la ciudad donde se encuentre los puntos de atención de la Unidad de atención a victimas.</a:t>
-            </a:r>
-            <a:endParaRPr lang="es-CO" sz="2000" dirty="0"/>
+              <a:rPr lang="es-CO" sz="2800" dirty="0" smtClean="0"/>
+              <a:t>La aplicación permite compartir </a:t>
+            </a:r>
+            <a:r>
+              <a:rPr lang="es-CO" sz="2800" dirty="0" smtClean="0"/>
+              <a:t>en Facebook </a:t>
+            </a:r>
+            <a:r>
+              <a:rPr lang="es-CO" sz="2800" dirty="0" smtClean="0"/>
+              <a:t>y </a:t>
+            </a:r>
+            <a:r>
+              <a:rPr lang="es-CO" sz="2800" dirty="0" err="1" smtClean="0"/>
+              <a:t>Twitter</a:t>
+            </a:r>
+            <a:r>
+              <a:rPr lang="es-CO" sz="2800" dirty="0" smtClean="0"/>
+              <a:t>.</a:t>
+            </a:r>
+            <a:endParaRPr lang="es-CO" sz="2800" dirty="0"/>
           </a:p>
         </p:txBody>
       </p:sp>
       <p:pic>
         <p:nvPicPr>
-          <p:cNvPr id="5" name="Imagen 4"/>
+          <p:cNvPr id="4" name="Imagen 3"/>
           <p:cNvPicPr>
             <a:picLocks noChangeAspect="1"/>
           </p:cNvPicPr>
@@ -9021,8 +9974,8 @@
         </p:blipFill>
         <p:spPr>
           <a:xfrm>
-            <a:off x="5646334" y="1010652"/>
-            <a:ext cx="3075272" cy="5125453"/>
+            <a:off x="6035842" y="830179"/>
+            <a:ext cx="3517232" cy="5862054"/>
           </a:xfrm>
           <a:prstGeom prst="rect">
             <a:avLst/>
@@ -9039,50 +9992,10 @@
           </a:effectLst>
         </p:spPr>
       </p:pic>
-      <p:pic>
-        <p:nvPicPr>
-          <p:cNvPr id="6" name="Imagen 5"/>
-          <p:cNvPicPr>
-            <a:picLocks noChangeAspect="1"/>
-          </p:cNvPicPr>
-          <p:nvPr/>
-        </p:nvPicPr>
-        <p:blipFill>
-          <a:blip r:embed="rId3">
-            <a:extLst>
-              <a:ext uri="{28A0092B-C50C-407E-A947-70E740481C1C}">
-                <a14:useLocalDpi xmlns:a14="http://schemas.microsoft.com/office/drawing/2010/main" val="0"/>
-              </a:ext>
-            </a:extLst>
-          </a:blip>
-          <a:stretch>
-            <a:fillRect/>
-          </a:stretch>
-        </p:blipFill>
-        <p:spPr>
-          <a:xfrm>
-            <a:off x="8876396" y="1021919"/>
-            <a:ext cx="3068512" cy="5114186"/>
-          </a:xfrm>
-          <a:prstGeom prst="rect">
-            <a:avLst/>
-          </a:prstGeom>
-          <a:ln>
-            <a:noFill/>
-          </a:ln>
-          <a:effectLst>
-            <a:outerShdw blurRad="292100" dist="139700" dir="2700000" algn="tl" rotWithShape="0">
-              <a:srgbClr val="333333">
-                <a:alpha val="65000"/>
-              </a:srgbClr>
-            </a:outerShdw>
-          </a:effectLst>
-        </p:spPr>
-      </p:pic>
     </p:spTree>
     <p:extLst>
       <p:ext uri="{BB962C8B-B14F-4D97-AF65-F5344CB8AC3E}">
-        <p14:creationId xmlns:p14="http://schemas.microsoft.com/office/powerpoint/2010/main" val="2196465921"/>
+        <p14:creationId xmlns:p14="http://schemas.microsoft.com/office/powerpoint/2010/main" val="2285285812"/>
       </p:ext>
     </p:extLst>
   </p:cSld>
@@ -9128,8 +10041,8 @@
         </p:nvSpPr>
         <p:spPr>
           <a:xfrm>
-            <a:off x="1729055" y="106752"/>
-            <a:ext cx="8911687" cy="723427"/>
+            <a:off x="3497696" y="106752"/>
+            <a:ext cx="5213167" cy="723427"/>
           </a:xfrm>
         </p:spPr>
         <p:txBody>
@@ -9138,45 +10051,15 @@
           <a:p>
             <a:r>
               <a:rPr lang="es-CO" dirty="0" smtClean="0"/>
-              <a:t>Noticias y Eventos</a:t>
+              <a:t>Listado de entidades</a:t>
             </a:r>
             <a:endParaRPr lang="es-CO" dirty="0"/>
-          </a:p>
-        </p:txBody>
-      </p:sp>
-      <p:sp>
-        <p:nvSpPr>
-          <p:cNvPr id="3" name="Marcador de contenido 2"/>
-          <p:cNvSpPr>
-            <a:spLocks noGrp="1"/>
-          </p:cNvSpPr>
-          <p:nvPr>
-            <p:ph idx="1"/>
-          </p:nvPr>
-        </p:nvSpPr>
-        <p:spPr>
-          <a:xfrm>
-            <a:off x="1094415" y="1900225"/>
-            <a:ext cx="5210133" cy="3453828"/>
-          </a:xfrm>
-        </p:spPr>
-        <p:txBody>
-          <a:bodyPr>
-            <a:noAutofit/>
-          </a:bodyPr>
-          <a:lstStyle/>
-          <a:p>
-            <a:r>
-              <a:rPr lang="es-CO" sz="2400" dirty="0" smtClean="0"/>
-              <a:t>Un listado con los últimos acontecimientos que son de interés para los usuarios que usen la aplicación.</a:t>
-            </a:r>
-            <a:endParaRPr lang="es-CO" sz="2400" dirty="0"/>
           </a:p>
         </p:txBody>
       </p:sp>
       <p:pic>
         <p:nvPicPr>
-          <p:cNvPr id="4" name="Imagen 3"/>
+          <p:cNvPr id="5" name="Imagen 4"/>
           <p:cNvPicPr>
             <a:picLocks noChangeAspect="1"/>
           </p:cNvPicPr>
@@ -9196,8 +10079,8 @@
         </p:blipFill>
         <p:spPr>
           <a:xfrm>
-            <a:off x="7323221" y="601579"/>
-            <a:ext cx="3465095" cy="5775158"/>
+            <a:off x="1794167" y="923087"/>
+            <a:ext cx="3425792" cy="5709655"/>
           </a:xfrm>
           <a:prstGeom prst="rect">
             <a:avLst/>
@@ -9214,10 +10097,50 @@
           </a:effectLst>
         </p:spPr>
       </p:pic>
+      <p:pic>
+        <p:nvPicPr>
+          <p:cNvPr id="6" name="Imagen 5"/>
+          <p:cNvPicPr>
+            <a:picLocks noChangeAspect="1"/>
+          </p:cNvPicPr>
+          <p:nvPr/>
+        </p:nvPicPr>
+        <p:blipFill>
+          <a:blip r:embed="rId3">
+            <a:extLst>
+              <a:ext uri="{28A0092B-C50C-407E-A947-70E740481C1C}">
+                <a14:useLocalDpi xmlns:a14="http://schemas.microsoft.com/office/drawing/2010/main" val="0"/>
+              </a:ext>
+            </a:extLst>
+          </a:blip>
+          <a:stretch>
+            <a:fillRect/>
+          </a:stretch>
+        </p:blipFill>
+        <p:spPr>
+          <a:xfrm>
+            <a:off x="7053711" y="923087"/>
+            <a:ext cx="3425793" cy="5709655"/>
+          </a:xfrm>
+          <a:prstGeom prst="rect">
+            <a:avLst/>
+          </a:prstGeom>
+          <a:ln>
+            <a:noFill/>
+          </a:ln>
+          <a:effectLst>
+            <a:outerShdw blurRad="292100" dist="139700" dir="2700000" algn="tl" rotWithShape="0">
+              <a:srgbClr val="333333">
+                <a:alpha val="65000"/>
+              </a:srgbClr>
+            </a:outerShdw>
+          </a:effectLst>
+        </p:spPr>
+      </p:pic>
     </p:spTree>
     <p:extLst>
       <p:ext uri="{BB962C8B-B14F-4D97-AF65-F5344CB8AC3E}">
-        <p14:creationId xmlns:p14="http://schemas.microsoft.com/office/powerpoint/2010/main" val="709107406"/>
+        <p14:creationId xmlns:p14="http://schemas.microsoft.com/office/powerpoint/2010/main" val="3580555675"/>
       </p:ext>
     </p:extLst>
   </p:cSld>
@@ -9263,8 +10186,8 @@
         </p:nvSpPr>
         <p:spPr>
           <a:xfrm>
-            <a:off x="1729055" y="106752"/>
-            <a:ext cx="8911687" cy="723427"/>
+            <a:off x="2739708" y="130816"/>
+            <a:ext cx="7017903" cy="723427"/>
           </a:xfrm>
         </p:spPr>
         <p:txBody>
@@ -9273,45 +10196,15 @@
           <a:p>
             <a:r>
               <a:rPr lang="es-CO" dirty="0" smtClean="0"/>
-              <a:t>Acerca de</a:t>
+              <a:t>¿Soy víctima? – ABC de la ley</a:t>
             </a:r>
             <a:endParaRPr lang="es-CO" dirty="0"/>
-          </a:p>
-        </p:txBody>
-      </p:sp>
-      <p:sp>
-        <p:nvSpPr>
-          <p:cNvPr id="3" name="Marcador de contenido 2"/>
-          <p:cNvSpPr>
-            <a:spLocks noGrp="1"/>
-          </p:cNvSpPr>
-          <p:nvPr>
-            <p:ph idx="1"/>
-          </p:nvPr>
-        </p:nvSpPr>
-        <p:spPr>
-          <a:xfrm>
-            <a:off x="1094415" y="1900225"/>
-            <a:ext cx="5210133" cy="3453828"/>
-          </a:xfrm>
-        </p:spPr>
-        <p:txBody>
-          <a:bodyPr>
-            <a:noAutofit/>
-          </a:bodyPr>
-          <a:lstStyle/>
-          <a:p>
-            <a:r>
-              <a:rPr lang="es-CO" sz="2400" dirty="0" smtClean="0"/>
-              <a:t>Una sección con la información general de la aplicación, la entidad encargada, las organizaciones de apoyo entre otros.</a:t>
-            </a:r>
-            <a:endParaRPr lang="es-CO" sz="2400" dirty="0"/>
           </a:p>
         </p:txBody>
       </p:sp>
       <p:pic>
         <p:nvPicPr>
-          <p:cNvPr id="5" name="Imagen 4"/>
+          <p:cNvPr id="4" name="Imagen 3"/>
           <p:cNvPicPr>
             <a:picLocks noChangeAspect="1"/>
           </p:cNvPicPr>
@@ -9331,8 +10224,8 @@
         </p:blipFill>
         <p:spPr>
           <a:xfrm>
-            <a:off x="7024049" y="468465"/>
-            <a:ext cx="3616693" cy="6027821"/>
+            <a:off x="1729055" y="1045980"/>
+            <a:ext cx="3324208" cy="5540347"/>
           </a:xfrm>
           <a:prstGeom prst="rect">
             <a:avLst/>
@@ -9349,10 +10242,50 @@
           </a:effectLst>
         </p:spPr>
       </p:pic>
+      <p:pic>
+        <p:nvPicPr>
+          <p:cNvPr id="7" name="Imagen 6"/>
+          <p:cNvPicPr>
+            <a:picLocks noChangeAspect="1"/>
+          </p:cNvPicPr>
+          <p:nvPr/>
+        </p:nvPicPr>
+        <p:blipFill>
+          <a:blip r:embed="rId3">
+            <a:extLst>
+              <a:ext uri="{28A0092B-C50C-407E-A947-70E740481C1C}">
+                <a14:useLocalDpi xmlns:a14="http://schemas.microsoft.com/office/drawing/2010/main" val="0"/>
+              </a:ext>
+            </a:extLst>
+          </a:blip>
+          <a:stretch>
+            <a:fillRect/>
+          </a:stretch>
+        </p:blipFill>
+        <p:spPr>
+          <a:xfrm>
+            <a:off x="6714288" y="1045980"/>
+            <a:ext cx="3320049" cy="5533415"/>
+          </a:xfrm>
+          <a:prstGeom prst="rect">
+            <a:avLst/>
+          </a:prstGeom>
+          <a:ln>
+            <a:noFill/>
+          </a:ln>
+          <a:effectLst>
+            <a:outerShdw blurRad="292100" dist="139700" dir="2700000" algn="tl" rotWithShape="0">
+              <a:srgbClr val="333333">
+                <a:alpha val="65000"/>
+              </a:srgbClr>
+            </a:outerShdw>
+          </a:effectLst>
+        </p:spPr>
+      </p:pic>
     </p:spTree>
     <p:extLst>
       <p:ext uri="{BB962C8B-B14F-4D97-AF65-F5344CB8AC3E}">
-        <p14:creationId xmlns:p14="http://schemas.microsoft.com/office/powerpoint/2010/main" val="1271918732"/>
+        <p14:creationId xmlns:p14="http://schemas.microsoft.com/office/powerpoint/2010/main" val="4237243474"/>
       </p:ext>
     </p:extLst>
   </p:cSld>

--- a/Presentación1.pptx
+++ b/Presentación1.pptx
@@ -8161,6 +8161,29 @@
           </a:effectLst>
         </p:spPr>
       </p:pic>
+      <p:pic>
+        <p:nvPicPr>
+          <p:cNvPr id="11" name="Imagen 10"/>
+          <p:cNvPicPr>
+            <a:picLocks noChangeAspect="1"/>
+          </p:cNvPicPr>
+          <p:nvPr/>
+        </p:nvPicPr>
+        <p:blipFill rotWithShape="1">
+          <a:blip r:embed="rId3"/>
+          <a:srcRect r="1543"/>
+          <a:stretch/>
+        </p:blipFill>
+        <p:spPr>
+          <a:xfrm>
+            <a:off x="7012017" y="1368852"/>
+            <a:ext cx="3623899" cy="5127433"/>
+          </a:xfrm>
+          <a:prstGeom prst="rect">
+            <a:avLst/>
+          </a:prstGeom>
+        </p:spPr>
+      </p:pic>
     </p:spTree>
     <p:extLst>
       <p:ext uri="{BB962C8B-B14F-4D97-AF65-F5344CB8AC3E}">
@@ -8252,7 +8275,6 @@
               <a:rPr lang="es-CO" sz="3200" dirty="0" smtClean="0"/>
               <a:t>Sistema de información integral.</a:t>
             </a:r>
-            <a:endParaRPr lang="es-CO" sz="3200" dirty="0" smtClean="0"/>
           </a:p>
           <a:p>
             <a:endParaRPr lang="es-CO" sz="3200" dirty="0"/>
@@ -9356,13 +9378,8 @@
           <a:p>
             <a:r>
               <a:rPr lang="es-CO" sz="2800" dirty="0" smtClean="0"/>
-              <a:t>Aprobación de </a:t>
+              <a:t>Aprobación de programas</a:t>
             </a:r>
-            <a:r>
-              <a:rPr lang="es-CO" sz="2800" dirty="0" smtClean="0"/>
-              <a:t>programas</a:t>
-            </a:r>
-            <a:endParaRPr lang="es-CO" sz="2800" dirty="0" smtClean="0"/>
           </a:p>
           <a:p>
             <a:endParaRPr lang="es-CO" sz="2800" dirty="0" smtClean="0"/>
@@ -9930,15 +9947,7 @@
           <a:p>
             <a:r>
               <a:rPr lang="es-CO" sz="2800" dirty="0" smtClean="0"/>
-              <a:t>La aplicación permite compartir </a:t>
-            </a:r>
-            <a:r>
-              <a:rPr lang="es-CO" sz="2800" dirty="0" smtClean="0"/>
-              <a:t>en Facebook </a:t>
-            </a:r>
-            <a:r>
-              <a:rPr lang="es-CO" sz="2800" dirty="0" smtClean="0"/>
-              <a:t>y </a:t>
+              <a:t>La aplicación permite compartir en Facebook y </a:t>
             </a:r>
             <a:r>
               <a:rPr lang="es-CO" sz="2800" dirty="0" err="1" smtClean="0"/>

--- a/Presentación1.pptx
+++ b/Presentación1.pptx
@@ -8282,7 +8282,19 @@
           <a:p>
             <a:r>
               <a:rPr lang="es-CO" sz="3200" dirty="0" smtClean="0"/>
-              <a:t>Sitio web publico SIN SMARTPHONE.</a:t>
+              <a:t>Sitio </a:t>
+            </a:r>
+            <a:r>
+              <a:rPr lang="es-CO" sz="3200" smtClean="0"/>
+              <a:t>web </a:t>
+            </a:r>
+            <a:r>
+              <a:rPr lang="es-CO" sz="3200" smtClean="0"/>
+              <a:t>público </a:t>
+            </a:r>
+            <a:r>
+              <a:rPr lang="es-CO" sz="3200" dirty="0" smtClean="0"/>
+              <a:t>SIN SMARTPHONE.</a:t>
             </a:r>
             <a:endParaRPr lang="es-CO" sz="3200" dirty="0"/>
           </a:p>

--- a/Presentación1.pptx
+++ b/Presentación1.pptx
@@ -6,18 +6,19 @@
   </p:sldMasterIdLst>
   <p:sldIdLst>
     <p:sldId id="256" r:id="rId2"/>
-    <p:sldId id="270" r:id="rId3"/>
-    <p:sldId id="257" r:id="rId4"/>
-    <p:sldId id="269" r:id="rId5"/>
-    <p:sldId id="268" r:id="rId6"/>
-    <p:sldId id="259" r:id="rId7"/>
-    <p:sldId id="260" r:id="rId8"/>
-    <p:sldId id="261" r:id="rId9"/>
-    <p:sldId id="262" r:id="rId10"/>
-    <p:sldId id="263" r:id="rId11"/>
-    <p:sldId id="264" r:id="rId12"/>
-    <p:sldId id="265" r:id="rId13"/>
-    <p:sldId id="267" r:id="rId14"/>
+    <p:sldId id="268" r:id="rId3"/>
+    <p:sldId id="259" r:id="rId4"/>
+    <p:sldId id="260" r:id="rId5"/>
+    <p:sldId id="261" r:id="rId6"/>
+    <p:sldId id="262" r:id="rId7"/>
+    <p:sldId id="263" r:id="rId8"/>
+    <p:sldId id="264" r:id="rId9"/>
+    <p:sldId id="265" r:id="rId10"/>
+    <p:sldId id="270" r:id="rId11"/>
+    <p:sldId id="257" r:id="rId12"/>
+    <p:sldId id="269" r:id="rId13"/>
+    <p:sldId id="271" r:id="rId14"/>
+    <p:sldId id="267" r:id="rId15"/>
   </p:sldIdLst>
   <p:sldSz cx="12192000" cy="6858000"/>
   <p:notesSz cx="6858000" cy="9144000"/>
@@ -7785,610 +7786,6 @@
       </p:grpSpPr>
       <p:sp>
         <p:nvSpPr>
-          <p:cNvPr id="2" name="Título 1"/>
-          <p:cNvSpPr>
-            <a:spLocks noGrp="1"/>
-          </p:cNvSpPr>
-          <p:nvPr>
-            <p:ph type="title"/>
-          </p:nvPr>
-        </p:nvSpPr>
-        <p:spPr>
-          <a:xfrm>
-            <a:off x="4027087" y="0"/>
-            <a:ext cx="4849310" cy="723427"/>
-          </a:xfrm>
-        </p:spPr>
-        <p:txBody>
-          <a:bodyPr/>
-          <a:lstStyle/>
-          <a:p>
-            <a:r>
-              <a:rPr lang="es-CO" dirty="0" smtClean="0"/>
-              <a:t>Puntos de atención</a:t>
-            </a:r>
-            <a:endParaRPr lang="es-CO" dirty="0"/>
-          </a:p>
-        </p:txBody>
-      </p:sp>
-      <p:pic>
-        <p:nvPicPr>
-          <p:cNvPr id="5" name="Imagen 4"/>
-          <p:cNvPicPr>
-            <a:picLocks noChangeAspect="1"/>
-          </p:cNvPicPr>
-          <p:nvPr/>
-        </p:nvPicPr>
-        <p:blipFill>
-          <a:blip r:embed="rId2">
-            <a:extLst>
-              <a:ext uri="{28A0092B-C50C-407E-A947-70E740481C1C}">
-                <a14:useLocalDpi xmlns:a14="http://schemas.microsoft.com/office/drawing/2010/main" val="0"/>
-              </a:ext>
-            </a:extLst>
-          </a:blip>
-          <a:stretch>
-            <a:fillRect/>
-          </a:stretch>
-        </p:blipFill>
-        <p:spPr>
-          <a:xfrm>
-            <a:off x="2130054" y="758942"/>
-            <a:ext cx="3585349" cy="5975581"/>
-          </a:xfrm>
-          <a:prstGeom prst="rect">
-            <a:avLst/>
-          </a:prstGeom>
-          <a:ln>
-            <a:noFill/>
-          </a:ln>
-          <a:effectLst>
-            <a:outerShdw blurRad="292100" dist="139700" dir="2700000" algn="tl" rotWithShape="0">
-              <a:srgbClr val="333333">
-                <a:alpha val="65000"/>
-              </a:srgbClr>
-            </a:outerShdw>
-          </a:effectLst>
-        </p:spPr>
-      </p:pic>
-      <p:pic>
-        <p:nvPicPr>
-          <p:cNvPr id="6" name="Imagen 5"/>
-          <p:cNvPicPr>
-            <a:picLocks noChangeAspect="1"/>
-          </p:cNvPicPr>
-          <p:nvPr/>
-        </p:nvPicPr>
-        <p:blipFill>
-          <a:blip r:embed="rId3">
-            <a:extLst>
-              <a:ext uri="{28A0092B-C50C-407E-A947-70E740481C1C}">
-                <a14:useLocalDpi xmlns:a14="http://schemas.microsoft.com/office/drawing/2010/main" val="0"/>
-              </a:ext>
-            </a:extLst>
-          </a:blip>
-          <a:stretch>
-            <a:fillRect/>
-          </a:stretch>
-        </p:blipFill>
-        <p:spPr>
-          <a:xfrm>
-            <a:off x="7403720" y="723427"/>
-            <a:ext cx="3606658" cy="6011096"/>
-          </a:xfrm>
-          <a:prstGeom prst="rect">
-            <a:avLst/>
-          </a:prstGeom>
-          <a:ln>
-            <a:noFill/>
-          </a:ln>
-          <a:effectLst>
-            <a:outerShdw blurRad="292100" dist="139700" dir="2700000" algn="tl" rotWithShape="0">
-              <a:srgbClr val="333333">
-                <a:alpha val="65000"/>
-              </a:srgbClr>
-            </a:outerShdw>
-          </a:effectLst>
-        </p:spPr>
-      </p:pic>
-    </p:spTree>
-    <p:extLst>
-      <p:ext uri="{BB962C8B-B14F-4D97-AF65-F5344CB8AC3E}">
-        <p14:creationId xmlns:p14="http://schemas.microsoft.com/office/powerpoint/2010/main" val="2196465921"/>
-      </p:ext>
-    </p:extLst>
-  </p:cSld>
-  <p:clrMapOvr>
-    <a:masterClrMapping/>
-  </p:clrMapOvr>
-  <p:timing>
-    <p:tnLst>
-      <p:par>
-        <p:cTn id="1" dur="indefinite" restart="never" nodeType="tmRoot"/>
-      </p:par>
-    </p:tnLst>
-  </p:timing>
-</p:sld>
-</file>
-
-<file path=ppt/slides/slide11.xml><?xml version="1.0" encoding="utf-8"?>
-<p:sld xmlns:a="http://schemas.openxmlformats.org/drawingml/2006/main" xmlns:r="http://schemas.openxmlformats.org/officeDocument/2006/relationships" xmlns:p="http://schemas.openxmlformats.org/presentationml/2006/main">
-  <p:cSld>
-    <p:spTree>
-      <p:nvGrpSpPr>
-        <p:cNvPr id="1" name=""/>
-        <p:cNvGrpSpPr/>
-        <p:nvPr/>
-      </p:nvGrpSpPr>
-      <p:grpSpPr>
-        <a:xfrm>
-          <a:off x="0" y="0"/>
-          <a:ext cx="0" cy="0"/>
-          <a:chOff x="0" y="0"/>
-          <a:chExt cx="0" cy="0"/>
-        </a:xfrm>
-      </p:grpSpPr>
-      <p:sp>
-        <p:nvSpPr>
-          <p:cNvPr id="2" name="Título 1"/>
-          <p:cNvSpPr>
-            <a:spLocks noGrp="1"/>
-          </p:cNvSpPr>
-          <p:nvPr>
-            <p:ph type="title"/>
-          </p:nvPr>
-        </p:nvSpPr>
-        <p:spPr>
-          <a:xfrm>
-            <a:off x="1729055" y="106752"/>
-            <a:ext cx="8911687" cy="723427"/>
-          </a:xfrm>
-        </p:spPr>
-        <p:txBody>
-          <a:bodyPr/>
-          <a:lstStyle/>
-          <a:p>
-            <a:r>
-              <a:rPr lang="es-CO" dirty="0" smtClean="0"/>
-              <a:t>Noticias y Eventos</a:t>
-            </a:r>
-            <a:endParaRPr lang="es-CO" dirty="0"/>
-          </a:p>
-        </p:txBody>
-      </p:sp>
-      <p:sp>
-        <p:nvSpPr>
-          <p:cNvPr id="3" name="Marcador de contenido 2"/>
-          <p:cNvSpPr>
-            <a:spLocks noGrp="1"/>
-          </p:cNvSpPr>
-          <p:nvPr>
-            <p:ph idx="1"/>
-          </p:nvPr>
-        </p:nvSpPr>
-        <p:spPr>
-          <a:xfrm>
-            <a:off x="1729055" y="1900225"/>
-            <a:ext cx="4705136" cy="1544433"/>
-          </a:xfrm>
-        </p:spPr>
-        <p:txBody>
-          <a:bodyPr>
-            <a:noAutofit/>
-          </a:bodyPr>
-          <a:lstStyle/>
-          <a:p>
-            <a:r>
-              <a:rPr lang="es-CO" sz="3200" dirty="0" smtClean="0"/>
-              <a:t>Lista de últimos acontecimientos</a:t>
-            </a:r>
-            <a:endParaRPr lang="es-CO" sz="3200" dirty="0"/>
-          </a:p>
-        </p:txBody>
-      </p:sp>
-      <p:pic>
-        <p:nvPicPr>
-          <p:cNvPr id="4" name="Imagen 3"/>
-          <p:cNvPicPr>
-            <a:picLocks noChangeAspect="1"/>
-          </p:cNvPicPr>
-          <p:nvPr/>
-        </p:nvPicPr>
-        <p:blipFill>
-          <a:blip r:embed="rId2">
-            <a:extLst>
-              <a:ext uri="{28A0092B-C50C-407E-A947-70E740481C1C}">
-                <a14:useLocalDpi xmlns:a14="http://schemas.microsoft.com/office/drawing/2010/main" val="0"/>
-              </a:ext>
-            </a:extLst>
-          </a:blip>
-          <a:stretch>
-            <a:fillRect/>
-          </a:stretch>
-        </p:blipFill>
-        <p:spPr>
-          <a:xfrm>
-            <a:off x="6985018" y="557079"/>
-            <a:ext cx="3465095" cy="5775158"/>
-          </a:xfrm>
-          <a:prstGeom prst="rect">
-            <a:avLst/>
-          </a:prstGeom>
-          <a:ln>
-            <a:noFill/>
-          </a:ln>
-          <a:effectLst>
-            <a:outerShdw blurRad="292100" dist="139700" dir="2700000" algn="tl" rotWithShape="0">
-              <a:srgbClr val="333333">
-                <a:alpha val="65000"/>
-              </a:srgbClr>
-            </a:outerShdw>
-          </a:effectLst>
-        </p:spPr>
-      </p:pic>
-    </p:spTree>
-    <p:extLst>
-      <p:ext uri="{BB962C8B-B14F-4D97-AF65-F5344CB8AC3E}">
-        <p14:creationId xmlns:p14="http://schemas.microsoft.com/office/powerpoint/2010/main" val="709107406"/>
-      </p:ext>
-    </p:extLst>
-  </p:cSld>
-  <p:clrMapOvr>
-    <a:masterClrMapping/>
-  </p:clrMapOvr>
-  <p:timing>
-    <p:tnLst>
-      <p:par>
-        <p:cTn id="1" dur="indefinite" restart="never" nodeType="tmRoot"/>
-      </p:par>
-    </p:tnLst>
-  </p:timing>
-</p:sld>
-</file>
-
-<file path=ppt/slides/slide12.xml><?xml version="1.0" encoding="utf-8"?>
-<p:sld xmlns:a="http://schemas.openxmlformats.org/drawingml/2006/main" xmlns:r="http://schemas.openxmlformats.org/officeDocument/2006/relationships" xmlns:p="http://schemas.openxmlformats.org/presentationml/2006/main">
-  <p:cSld>
-    <p:spTree>
-      <p:nvGrpSpPr>
-        <p:cNvPr id="1" name=""/>
-        <p:cNvGrpSpPr/>
-        <p:nvPr/>
-      </p:nvGrpSpPr>
-      <p:grpSpPr>
-        <a:xfrm>
-          <a:off x="0" y="0"/>
-          <a:ext cx="0" cy="0"/>
-          <a:chOff x="0" y="0"/>
-          <a:chExt cx="0" cy="0"/>
-        </a:xfrm>
-      </p:grpSpPr>
-      <p:sp>
-        <p:nvSpPr>
-          <p:cNvPr id="2" name="Título 1"/>
-          <p:cNvSpPr>
-            <a:spLocks noGrp="1"/>
-          </p:cNvSpPr>
-          <p:nvPr>
-            <p:ph type="title"/>
-          </p:nvPr>
-        </p:nvSpPr>
-        <p:spPr>
-          <a:xfrm>
-            <a:off x="1729055" y="106752"/>
-            <a:ext cx="8911687" cy="723427"/>
-          </a:xfrm>
-        </p:spPr>
-        <p:txBody>
-          <a:bodyPr/>
-          <a:lstStyle/>
-          <a:p>
-            <a:r>
-              <a:rPr lang="es-CO" dirty="0" smtClean="0"/>
-              <a:t>Acerca de</a:t>
-            </a:r>
-            <a:endParaRPr lang="es-CO" dirty="0"/>
-          </a:p>
-        </p:txBody>
-      </p:sp>
-      <p:sp>
-        <p:nvSpPr>
-          <p:cNvPr id="3" name="Marcador de contenido 2"/>
-          <p:cNvSpPr>
-            <a:spLocks noGrp="1"/>
-          </p:cNvSpPr>
-          <p:nvPr>
-            <p:ph idx="1"/>
-          </p:nvPr>
-        </p:nvSpPr>
-        <p:spPr>
-          <a:xfrm>
-            <a:off x="1557878" y="2012959"/>
-            <a:ext cx="4755240" cy="1080970"/>
-          </a:xfrm>
-        </p:spPr>
-        <p:txBody>
-          <a:bodyPr>
-            <a:noAutofit/>
-          </a:bodyPr>
-          <a:lstStyle/>
-          <a:p>
-            <a:r>
-              <a:rPr lang="es-CO" sz="3200" dirty="0" smtClean="0"/>
-              <a:t>Información general</a:t>
-            </a:r>
-            <a:endParaRPr lang="es-CO" sz="3200" dirty="0"/>
-          </a:p>
-        </p:txBody>
-      </p:sp>
-      <p:pic>
-        <p:nvPicPr>
-          <p:cNvPr id="5" name="Imagen 4"/>
-          <p:cNvPicPr>
-            <a:picLocks noChangeAspect="1"/>
-          </p:cNvPicPr>
-          <p:nvPr/>
-        </p:nvPicPr>
-        <p:blipFill>
-          <a:blip r:embed="rId2">
-            <a:extLst>
-              <a:ext uri="{28A0092B-C50C-407E-A947-70E740481C1C}">
-                <a14:useLocalDpi xmlns:a14="http://schemas.microsoft.com/office/drawing/2010/main" val="0"/>
-              </a:ext>
-            </a:extLst>
-          </a:blip>
-          <a:stretch>
-            <a:fillRect/>
-          </a:stretch>
-        </p:blipFill>
-        <p:spPr>
-          <a:xfrm>
-            <a:off x="7024049" y="468465"/>
-            <a:ext cx="3616693" cy="6027821"/>
-          </a:xfrm>
-          <a:prstGeom prst="rect">
-            <a:avLst/>
-          </a:prstGeom>
-          <a:ln>
-            <a:noFill/>
-          </a:ln>
-          <a:effectLst>
-            <a:outerShdw blurRad="292100" dist="139700" dir="2700000" algn="tl" rotWithShape="0">
-              <a:srgbClr val="333333">
-                <a:alpha val="65000"/>
-              </a:srgbClr>
-            </a:outerShdw>
-          </a:effectLst>
-        </p:spPr>
-      </p:pic>
-      <p:pic>
-        <p:nvPicPr>
-          <p:cNvPr id="11" name="Imagen 10"/>
-          <p:cNvPicPr>
-            <a:picLocks noChangeAspect="1"/>
-          </p:cNvPicPr>
-          <p:nvPr/>
-        </p:nvPicPr>
-        <p:blipFill rotWithShape="1">
-          <a:blip r:embed="rId3"/>
-          <a:srcRect r="1543"/>
-          <a:stretch/>
-        </p:blipFill>
-        <p:spPr>
-          <a:xfrm>
-            <a:off x="7012017" y="1368852"/>
-            <a:ext cx="3623899" cy="5127433"/>
-          </a:xfrm>
-          <a:prstGeom prst="rect">
-            <a:avLst/>
-          </a:prstGeom>
-        </p:spPr>
-      </p:pic>
-    </p:spTree>
-    <p:extLst>
-      <p:ext uri="{BB962C8B-B14F-4D97-AF65-F5344CB8AC3E}">
-        <p14:creationId xmlns:p14="http://schemas.microsoft.com/office/powerpoint/2010/main" val="1271918732"/>
-      </p:ext>
-    </p:extLst>
-  </p:cSld>
-  <p:clrMapOvr>
-    <a:masterClrMapping/>
-  </p:clrMapOvr>
-  <p:timing>
-    <p:tnLst>
-      <p:par>
-        <p:cTn id="1" dur="indefinite" restart="never" nodeType="tmRoot"/>
-      </p:par>
-    </p:tnLst>
-  </p:timing>
-</p:sld>
-</file>
-
-<file path=ppt/slides/slide13.xml><?xml version="1.0" encoding="utf-8"?>
-<p:sld xmlns:a="http://schemas.openxmlformats.org/drawingml/2006/main" xmlns:r="http://schemas.openxmlformats.org/officeDocument/2006/relationships" xmlns:p="http://schemas.openxmlformats.org/presentationml/2006/main">
-  <p:cSld>
-    <p:spTree>
-      <p:nvGrpSpPr>
-        <p:cNvPr id="1" name=""/>
-        <p:cNvGrpSpPr/>
-        <p:nvPr/>
-      </p:nvGrpSpPr>
-      <p:grpSpPr>
-        <a:xfrm>
-          <a:off x="0" y="0"/>
-          <a:ext cx="0" cy="0"/>
-          <a:chOff x="0" y="0"/>
-          <a:chExt cx="0" cy="0"/>
-        </a:xfrm>
-      </p:grpSpPr>
-      <p:sp>
-        <p:nvSpPr>
-          <p:cNvPr id="2" name="Título 1"/>
-          <p:cNvSpPr>
-            <a:spLocks noGrp="1"/>
-          </p:cNvSpPr>
-          <p:nvPr>
-            <p:ph type="title"/>
-          </p:nvPr>
-        </p:nvSpPr>
-        <p:spPr>
-          <a:xfrm>
-            <a:off x="4135370" y="130814"/>
-            <a:ext cx="3492981" cy="723427"/>
-          </a:xfrm>
-        </p:spPr>
-        <p:txBody>
-          <a:bodyPr/>
-          <a:lstStyle/>
-          <a:p>
-            <a:r>
-              <a:rPr lang="es-CO" dirty="0" smtClean="0"/>
-              <a:t>PROYECCIÓN</a:t>
-            </a:r>
-            <a:endParaRPr lang="es-CO" dirty="0"/>
-          </a:p>
-        </p:txBody>
-      </p:sp>
-      <p:sp>
-        <p:nvSpPr>
-          <p:cNvPr id="3" name="Marcador de contenido 2"/>
-          <p:cNvSpPr>
-            <a:spLocks noGrp="1"/>
-          </p:cNvSpPr>
-          <p:nvPr>
-            <p:ph idx="1"/>
-          </p:nvPr>
-        </p:nvSpPr>
-        <p:spPr>
-          <a:xfrm>
-            <a:off x="1676051" y="1861163"/>
-            <a:ext cx="5186069" cy="3826807"/>
-          </a:xfrm>
-        </p:spPr>
-        <p:txBody>
-          <a:bodyPr>
-            <a:noAutofit/>
-          </a:bodyPr>
-          <a:lstStyle/>
-          <a:p>
-            <a:r>
-              <a:rPr lang="es-CO" sz="3200" dirty="0" smtClean="0"/>
-              <a:t>Sistema de información integral.</a:t>
-            </a:r>
-          </a:p>
-          <a:p>
-            <a:endParaRPr lang="es-CO" sz="3200" dirty="0"/>
-          </a:p>
-          <a:p>
-            <a:r>
-              <a:rPr lang="es-CO" sz="3200" dirty="0" smtClean="0"/>
-              <a:t>Sitio </a:t>
-            </a:r>
-            <a:r>
-              <a:rPr lang="es-CO" sz="3200" smtClean="0"/>
-              <a:t>web </a:t>
-            </a:r>
-            <a:r>
-              <a:rPr lang="es-CO" sz="3200" smtClean="0"/>
-              <a:t>público </a:t>
-            </a:r>
-            <a:r>
-              <a:rPr lang="es-CO" sz="3200" dirty="0" smtClean="0"/>
-              <a:t>SIN SMARTPHONE.</a:t>
-            </a:r>
-            <a:endParaRPr lang="es-CO" sz="3200" dirty="0"/>
-          </a:p>
-        </p:txBody>
-      </p:sp>
-      <p:pic>
-        <p:nvPicPr>
-          <p:cNvPr id="1026" name="Picture 2" descr="http://www.exitoip.com/sitioweb/images/smsadultos.jpg"/>
-          <p:cNvPicPr>
-            <a:picLocks noChangeAspect="1" noChangeArrowheads="1"/>
-          </p:cNvPicPr>
-          <p:nvPr/>
-        </p:nvPicPr>
-        <p:blipFill>
-          <a:blip r:embed="rId2">
-            <a:extLst>
-              <a:ext uri="{28A0092B-C50C-407E-A947-70E740481C1C}">
-                <a14:useLocalDpi xmlns:a14="http://schemas.microsoft.com/office/drawing/2010/main" val="0"/>
-              </a:ext>
-            </a:extLst>
-          </a:blip>
-          <a:srcRect/>
-          <a:stretch>
-            <a:fillRect/>
-          </a:stretch>
-        </p:blipFill>
-        <p:spPr bwMode="auto">
-          <a:xfrm>
-            <a:off x="8192974" y="1861163"/>
-            <a:ext cx="2857500" cy="2857500"/>
-          </a:xfrm>
-          <a:prstGeom prst="rect">
-            <a:avLst/>
-          </a:prstGeom>
-          <a:ln>
-            <a:noFill/>
-          </a:ln>
-          <a:effectLst>
-            <a:outerShdw blurRad="292100" dist="139700" dir="2700000" algn="tl" rotWithShape="0">
-              <a:srgbClr val="333333">
-                <a:alpha val="65000"/>
-              </a:srgbClr>
-            </a:outerShdw>
-          </a:effectLst>
-          <a:extLst>
-            <a:ext uri="{909E8E84-426E-40DD-AFC4-6F175D3DCCD1}">
-              <a14:hiddenFill xmlns:a14="http://schemas.microsoft.com/office/drawing/2010/main">
-                <a:solidFill>
-                  <a:srgbClr val="FFFFFF"/>
-                </a:solidFill>
-              </a14:hiddenFill>
-            </a:ext>
-          </a:extLst>
-        </p:spPr>
-      </p:pic>
-    </p:spTree>
-    <p:extLst>
-      <p:ext uri="{BB962C8B-B14F-4D97-AF65-F5344CB8AC3E}">
-        <p14:creationId xmlns:p14="http://schemas.microsoft.com/office/powerpoint/2010/main" val="3335944367"/>
-      </p:ext>
-    </p:extLst>
-  </p:cSld>
-  <p:clrMapOvr>
-    <a:masterClrMapping/>
-  </p:clrMapOvr>
-  <p:timing>
-    <p:tnLst>
-      <p:par>
-        <p:cTn id="1" dur="indefinite" restart="never" nodeType="tmRoot"/>
-      </p:par>
-    </p:tnLst>
-  </p:timing>
-</p:sld>
-</file>
-
-<file path=ppt/slides/slide2.xml><?xml version="1.0" encoding="utf-8"?>
-<p:sld xmlns:a="http://schemas.openxmlformats.org/drawingml/2006/main" xmlns:r="http://schemas.openxmlformats.org/officeDocument/2006/relationships" xmlns:p="http://schemas.openxmlformats.org/presentationml/2006/main">
-  <p:cSld>
-    <p:spTree>
-      <p:nvGrpSpPr>
-        <p:cNvPr id="1" name=""/>
-        <p:cNvGrpSpPr/>
-        <p:nvPr/>
-      </p:nvGrpSpPr>
-      <p:grpSpPr>
-        <a:xfrm>
-          <a:off x="0" y="0"/>
-          <a:ext cx="0" cy="0"/>
-          <a:chOff x="0" y="0"/>
-          <a:chExt cx="0" cy="0"/>
-        </a:xfrm>
-      </p:grpSpPr>
-      <p:sp>
-        <p:nvSpPr>
           <p:cNvPr id="8" name="2 Marcador de contenido"/>
           <p:cNvSpPr txBox="1">
             <a:spLocks/>
@@ -8855,7 +8252,7 @@
 </p:sld>
 </file>
 
-<file path=ppt/slides/slide3.xml><?xml version="1.0" encoding="utf-8"?>
+<file path=ppt/slides/slide11.xml><?xml version="1.0" encoding="utf-8"?>
 <p:sld xmlns:a="http://schemas.openxmlformats.org/drawingml/2006/main" xmlns:r="http://schemas.openxmlformats.org/officeDocument/2006/relationships" xmlns:p="http://schemas.openxmlformats.org/presentationml/2006/main">
   <p:cSld>
     <p:spTree>
@@ -9343,7 +8740,7 @@
 </p:sld>
 </file>
 
-<file path=ppt/slides/slide4.xml><?xml version="1.0" encoding="utf-8"?>
+<file path=ppt/slides/slide12.xml><?xml version="1.0" encoding="utf-8"?>
 <p:sld xmlns:a="http://schemas.openxmlformats.org/drawingml/2006/main" xmlns:r="http://schemas.openxmlformats.org/officeDocument/2006/relationships" xmlns:p="http://schemas.openxmlformats.org/presentationml/2006/main">
   <p:cSld>
     <p:spTree>
@@ -9608,7 +9005,345 @@
 </p:sld>
 </file>
 
-<file path=ppt/slides/slide5.xml><?xml version="1.0" encoding="utf-8"?>
+<file path=ppt/slides/slide13.xml><?xml version="1.0" encoding="utf-8"?>
+<p:sld xmlns:a="http://schemas.openxmlformats.org/drawingml/2006/main" xmlns:r="http://schemas.openxmlformats.org/officeDocument/2006/relationships" xmlns:p="http://schemas.openxmlformats.org/presentationml/2006/main">
+  <p:cSld>
+    <p:spTree>
+      <p:nvGrpSpPr>
+        <p:cNvPr id="1" name=""/>
+        <p:cNvGrpSpPr/>
+        <p:nvPr/>
+      </p:nvGrpSpPr>
+      <p:grpSpPr>
+        <a:xfrm>
+          <a:off x="0" y="0"/>
+          <a:ext cx="0" cy="0"/>
+          <a:chOff x="0" y="0"/>
+          <a:chExt cx="0" cy="0"/>
+        </a:xfrm>
+      </p:grpSpPr>
+      <p:sp>
+        <p:nvSpPr>
+          <p:cNvPr id="14" name="1 Título"/>
+          <p:cNvSpPr txBox="1">
+            <a:spLocks/>
+          </p:cNvSpPr>
+          <p:nvPr/>
+        </p:nvSpPr>
+        <p:spPr>
+          <a:xfrm>
+            <a:off x="3446268" y="190979"/>
+            <a:ext cx="5914300" cy="631844"/>
+          </a:xfrm>
+          <a:prstGeom prst="rect">
+            <a:avLst/>
+          </a:prstGeom>
+        </p:spPr>
+        <p:txBody>
+          <a:bodyPr vert="horz" lIns="91440" tIns="45720" rIns="91440" bIns="45720" rtlCol="0" anchor="t">
+            <a:normAutofit lnSpcReduction="10000"/>
+          </a:bodyPr>
+          <a:lstStyle>
+            <a:lvl1pPr algn="l" defTabSz="457200" rtl="0" eaLnBrk="1" latinLnBrk="0" hangingPunct="1">
+              <a:spcBef>
+                <a:spcPct val="0"/>
+              </a:spcBef>
+              <a:buNone/>
+              <a:defRPr sz="3600" kern="1200">
+                <a:solidFill>
+                  <a:schemeClr val="tx1">
+                    <a:lumMod val="85000"/>
+                    <a:lumOff val="15000"/>
+                  </a:schemeClr>
+                </a:solidFill>
+                <a:latin typeface="+mj-lt"/>
+                <a:ea typeface="+mj-ea"/>
+                <a:cs typeface="+mj-cs"/>
+              </a:defRPr>
+            </a:lvl1pPr>
+            <a:lvl2pPr eaLnBrk="1" hangingPunct="1">
+              <a:defRPr>
+                <a:solidFill>
+                  <a:schemeClr val="tx2"/>
+                </a:solidFill>
+              </a:defRPr>
+            </a:lvl2pPr>
+            <a:lvl3pPr eaLnBrk="1" hangingPunct="1">
+              <a:defRPr>
+                <a:solidFill>
+                  <a:schemeClr val="tx2"/>
+                </a:solidFill>
+              </a:defRPr>
+            </a:lvl3pPr>
+            <a:lvl4pPr eaLnBrk="1" hangingPunct="1">
+              <a:defRPr>
+                <a:solidFill>
+                  <a:schemeClr val="tx2"/>
+                </a:solidFill>
+              </a:defRPr>
+            </a:lvl4pPr>
+            <a:lvl5pPr eaLnBrk="1" hangingPunct="1">
+              <a:defRPr>
+                <a:solidFill>
+                  <a:schemeClr val="tx2"/>
+                </a:solidFill>
+              </a:defRPr>
+            </a:lvl5pPr>
+            <a:lvl6pPr eaLnBrk="1" hangingPunct="1">
+              <a:defRPr>
+                <a:solidFill>
+                  <a:schemeClr val="tx2"/>
+                </a:solidFill>
+              </a:defRPr>
+            </a:lvl6pPr>
+            <a:lvl7pPr eaLnBrk="1" hangingPunct="1">
+              <a:defRPr>
+                <a:solidFill>
+                  <a:schemeClr val="tx2"/>
+                </a:solidFill>
+              </a:defRPr>
+            </a:lvl7pPr>
+            <a:lvl8pPr eaLnBrk="1" hangingPunct="1">
+              <a:defRPr>
+                <a:solidFill>
+                  <a:schemeClr val="tx2"/>
+                </a:solidFill>
+              </a:defRPr>
+            </a:lvl8pPr>
+            <a:lvl9pPr eaLnBrk="1" hangingPunct="1">
+              <a:defRPr>
+                <a:solidFill>
+                  <a:schemeClr val="tx2"/>
+                </a:solidFill>
+              </a:defRPr>
+            </a:lvl9pPr>
+          </a:lstStyle>
+          <a:p>
+            <a:r>
+              <a:rPr lang="es-CO" dirty="0" smtClean="0"/>
+              <a:t>INFORMES ESTADÍSTICOS </a:t>
+            </a:r>
+            <a:endParaRPr lang="es-CO" dirty="0"/>
+          </a:p>
+        </p:txBody>
+      </p:sp>
+      <p:pic>
+        <p:nvPicPr>
+          <p:cNvPr id="7" name="Imagen 6"/>
+          <p:cNvPicPr>
+            <a:picLocks noChangeAspect="1"/>
+          </p:cNvPicPr>
+          <p:nvPr/>
+        </p:nvPicPr>
+        <p:blipFill>
+          <a:blip r:embed="rId2"/>
+          <a:stretch>
+            <a:fillRect/>
+          </a:stretch>
+        </p:blipFill>
+        <p:spPr>
+          <a:xfrm>
+            <a:off x="2568846" y="909226"/>
+            <a:ext cx="7669143" cy="5713906"/>
+          </a:xfrm>
+          <a:prstGeom prst="rect">
+            <a:avLst/>
+          </a:prstGeom>
+          <a:ln>
+            <a:noFill/>
+          </a:ln>
+          <a:effectLst>
+            <a:outerShdw blurRad="292100" dist="139700" dir="2700000" algn="tl" rotWithShape="0">
+              <a:srgbClr val="333333">
+                <a:alpha val="65000"/>
+              </a:srgbClr>
+            </a:outerShdw>
+          </a:effectLst>
+        </p:spPr>
+      </p:pic>
+    </p:spTree>
+    <p:extLst>
+      <p:ext uri="{BB962C8B-B14F-4D97-AF65-F5344CB8AC3E}">
+        <p14:creationId xmlns:p14="http://schemas.microsoft.com/office/powerpoint/2010/main" val="187688623"/>
+      </p:ext>
+    </p:extLst>
+  </p:cSld>
+  <p:clrMapOvr>
+    <a:masterClrMapping/>
+  </p:clrMapOvr>
+  <p:timing>
+    <p:tnLst>
+      <p:par>
+        <p:cTn id="1" dur="indefinite" restart="never" nodeType="tmRoot"/>
+      </p:par>
+    </p:tnLst>
+  </p:timing>
+</p:sld>
+</file>
+
+<file path=ppt/slides/slide14.xml><?xml version="1.0" encoding="utf-8"?>
+<p:sld xmlns:a="http://schemas.openxmlformats.org/drawingml/2006/main" xmlns:r="http://schemas.openxmlformats.org/officeDocument/2006/relationships" xmlns:p="http://schemas.openxmlformats.org/presentationml/2006/main">
+  <p:cSld>
+    <p:spTree>
+      <p:nvGrpSpPr>
+        <p:cNvPr id="1" name=""/>
+        <p:cNvGrpSpPr/>
+        <p:nvPr/>
+      </p:nvGrpSpPr>
+      <p:grpSpPr>
+        <a:xfrm>
+          <a:off x="0" y="0"/>
+          <a:ext cx="0" cy="0"/>
+          <a:chOff x="0" y="0"/>
+          <a:chExt cx="0" cy="0"/>
+        </a:xfrm>
+      </p:grpSpPr>
+      <p:sp>
+        <p:nvSpPr>
+          <p:cNvPr id="2" name="Título 1"/>
+          <p:cNvSpPr>
+            <a:spLocks noGrp="1"/>
+          </p:cNvSpPr>
+          <p:nvPr>
+            <p:ph type="title"/>
+          </p:nvPr>
+        </p:nvSpPr>
+        <p:spPr>
+          <a:xfrm>
+            <a:off x="4135370" y="130814"/>
+            <a:ext cx="3492981" cy="723427"/>
+          </a:xfrm>
+        </p:spPr>
+        <p:txBody>
+          <a:bodyPr/>
+          <a:lstStyle/>
+          <a:p>
+            <a:r>
+              <a:rPr lang="es-CO" dirty="0" smtClean="0"/>
+              <a:t>PROYECCIÓN</a:t>
+            </a:r>
+            <a:endParaRPr lang="es-CO" dirty="0"/>
+          </a:p>
+        </p:txBody>
+      </p:sp>
+      <p:sp>
+        <p:nvSpPr>
+          <p:cNvPr id="3" name="Marcador de contenido 2"/>
+          <p:cNvSpPr>
+            <a:spLocks noGrp="1"/>
+          </p:cNvSpPr>
+          <p:nvPr>
+            <p:ph idx="1"/>
+          </p:nvPr>
+        </p:nvSpPr>
+        <p:spPr>
+          <a:xfrm>
+            <a:off x="1676051" y="1861163"/>
+            <a:ext cx="5186069" cy="3826807"/>
+          </a:xfrm>
+        </p:spPr>
+        <p:txBody>
+          <a:bodyPr>
+            <a:noAutofit/>
+          </a:bodyPr>
+          <a:lstStyle/>
+          <a:p>
+            <a:r>
+              <a:rPr lang="es-CO" sz="3200" dirty="0" smtClean="0"/>
+              <a:t>Sistema de información integral.</a:t>
+            </a:r>
+          </a:p>
+          <a:p>
+            <a:endParaRPr lang="es-CO" sz="3200" dirty="0"/>
+          </a:p>
+          <a:p>
+            <a:r>
+              <a:rPr lang="es-CO" sz="3200" dirty="0" smtClean="0"/>
+              <a:t>Sitio </a:t>
+            </a:r>
+            <a:r>
+              <a:rPr lang="es-CO" sz="3200" smtClean="0"/>
+              <a:t>web público </a:t>
+            </a:r>
+            <a:r>
+              <a:rPr lang="es-CO" sz="3200" dirty="0" smtClean="0"/>
+              <a:t>SIN SMARTPHONE.</a:t>
+            </a:r>
+            <a:endParaRPr lang="es-CO" sz="3200" dirty="0"/>
+          </a:p>
+        </p:txBody>
+      </p:sp>
+      <p:pic>
+        <p:nvPicPr>
+          <p:cNvPr id="1026" name="Picture 2" descr="http://www.exitoip.com/sitioweb/images/smsadultos.jpg"/>
+          <p:cNvPicPr>
+            <a:picLocks noChangeAspect="1" noChangeArrowheads="1"/>
+          </p:cNvPicPr>
+          <p:nvPr/>
+        </p:nvPicPr>
+        <p:blipFill>
+          <a:blip r:embed="rId2">
+            <a:extLst>
+              <a:ext uri="{28A0092B-C50C-407E-A947-70E740481C1C}">
+                <a14:useLocalDpi xmlns:a14="http://schemas.microsoft.com/office/drawing/2010/main" val="0"/>
+              </a:ext>
+            </a:extLst>
+          </a:blip>
+          <a:srcRect/>
+          <a:stretch>
+            <a:fillRect/>
+          </a:stretch>
+        </p:blipFill>
+        <p:spPr bwMode="auto">
+          <a:xfrm>
+            <a:off x="8192974" y="1861163"/>
+            <a:ext cx="2857500" cy="2857500"/>
+          </a:xfrm>
+          <a:prstGeom prst="rect">
+            <a:avLst/>
+          </a:prstGeom>
+          <a:ln>
+            <a:noFill/>
+          </a:ln>
+          <a:effectLst>
+            <a:outerShdw blurRad="292100" dist="139700" dir="2700000" algn="tl" rotWithShape="0">
+              <a:srgbClr val="333333">
+                <a:alpha val="65000"/>
+              </a:srgbClr>
+            </a:outerShdw>
+          </a:effectLst>
+          <a:extLst>
+            <a:ext uri="{909E8E84-426E-40DD-AFC4-6F175D3DCCD1}">
+              <a14:hiddenFill xmlns:a14="http://schemas.microsoft.com/office/drawing/2010/main">
+                <a:solidFill>
+                  <a:srgbClr val="FFFFFF"/>
+                </a:solidFill>
+              </a14:hiddenFill>
+            </a:ext>
+          </a:extLst>
+        </p:spPr>
+      </p:pic>
+    </p:spTree>
+    <p:extLst>
+      <p:ext uri="{BB962C8B-B14F-4D97-AF65-F5344CB8AC3E}">
+        <p14:creationId xmlns:p14="http://schemas.microsoft.com/office/powerpoint/2010/main" val="3335944367"/>
+      </p:ext>
+    </p:extLst>
+  </p:cSld>
+  <p:clrMapOvr>
+    <a:masterClrMapping/>
+  </p:clrMapOvr>
+  <p:timing>
+    <p:tnLst>
+      <p:par>
+        <p:cTn id="1" dur="indefinite" restart="never" nodeType="tmRoot"/>
+      </p:par>
+    </p:tnLst>
+  </p:timing>
+</p:sld>
+</file>
+
+<file path=ppt/slides/slide2.xml><?xml version="1.0" encoding="utf-8"?>
 <p:sld xmlns:a="http://schemas.openxmlformats.org/drawingml/2006/main" xmlns:r="http://schemas.openxmlformats.org/officeDocument/2006/relationships" xmlns:p="http://schemas.openxmlformats.org/presentationml/2006/main">
   <p:cSld>
     <p:spTree>
@@ -9727,6 +9462,441 @@
     <p:extLst>
       <p:ext uri="{BB962C8B-B14F-4D97-AF65-F5344CB8AC3E}">
         <p14:creationId xmlns:p14="http://schemas.microsoft.com/office/powerpoint/2010/main" val="1631767635"/>
+      </p:ext>
+    </p:extLst>
+  </p:cSld>
+  <p:clrMapOvr>
+    <a:masterClrMapping/>
+  </p:clrMapOvr>
+  <p:timing>
+    <p:tnLst>
+      <p:par>
+        <p:cTn id="1" dur="indefinite" restart="never" nodeType="tmRoot"/>
+      </p:par>
+    </p:tnLst>
+  </p:timing>
+</p:sld>
+</file>
+
+<file path=ppt/slides/slide3.xml><?xml version="1.0" encoding="utf-8"?>
+<p:sld xmlns:a="http://schemas.openxmlformats.org/drawingml/2006/main" xmlns:r="http://schemas.openxmlformats.org/officeDocument/2006/relationships" xmlns:p="http://schemas.openxmlformats.org/presentationml/2006/main">
+  <p:cSld>
+    <p:spTree>
+      <p:nvGrpSpPr>
+        <p:cNvPr id="1" name=""/>
+        <p:cNvGrpSpPr/>
+        <p:nvPr/>
+      </p:nvGrpSpPr>
+      <p:grpSpPr>
+        <a:xfrm>
+          <a:off x="0" y="0"/>
+          <a:ext cx="0" cy="0"/>
+          <a:chOff x="0" y="0"/>
+          <a:chExt cx="0" cy="0"/>
+        </a:xfrm>
+      </p:grpSpPr>
+      <p:sp>
+        <p:nvSpPr>
+          <p:cNvPr id="2" name="Título 1"/>
+          <p:cNvSpPr>
+            <a:spLocks noGrp="1"/>
+          </p:cNvSpPr>
+          <p:nvPr>
+            <p:ph type="title"/>
+          </p:nvPr>
+        </p:nvSpPr>
+        <p:spPr>
+          <a:xfrm>
+            <a:off x="3460778" y="94226"/>
+            <a:ext cx="5545435" cy="723427"/>
+          </a:xfrm>
+        </p:spPr>
+        <p:txBody>
+          <a:bodyPr>
+            <a:normAutofit/>
+          </a:bodyPr>
+          <a:lstStyle/>
+          <a:p>
+            <a:r>
+              <a:rPr lang="es-CO" sz="4000" dirty="0" smtClean="0"/>
+              <a:t>Consultar Programas</a:t>
+            </a:r>
+            <a:endParaRPr lang="es-CO" sz="4000" dirty="0"/>
+          </a:p>
+        </p:txBody>
+      </p:sp>
+      <p:pic>
+        <p:nvPicPr>
+          <p:cNvPr id="5" name="Imagen 4"/>
+          <p:cNvPicPr>
+            <a:picLocks noChangeAspect="1"/>
+          </p:cNvPicPr>
+          <p:nvPr/>
+        </p:nvPicPr>
+        <p:blipFill>
+          <a:blip r:embed="rId2">
+            <a:extLst>
+              <a:ext uri="{28A0092B-C50C-407E-A947-70E740481C1C}">
+                <a14:useLocalDpi xmlns:a14="http://schemas.microsoft.com/office/drawing/2010/main" val="0"/>
+              </a:ext>
+            </a:extLst>
+          </a:blip>
+          <a:stretch>
+            <a:fillRect/>
+          </a:stretch>
+        </p:blipFill>
+        <p:spPr>
+          <a:xfrm>
+            <a:off x="1841241" y="1030596"/>
+            <a:ext cx="3370246" cy="5617078"/>
+          </a:xfrm>
+          <a:prstGeom prst="rect">
+            <a:avLst/>
+          </a:prstGeom>
+          <a:ln>
+            <a:noFill/>
+          </a:ln>
+          <a:effectLst>
+            <a:outerShdw blurRad="292100" dist="139700" dir="2700000" algn="tl" rotWithShape="0">
+              <a:srgbClr val="333333">
+                <a:alpha val="65000"/>
+              </a:srgbClr>
+            </a:outerShdw>
+          </a:effectLst>
+        </p:spPr>
+      </p:pic>
+      <p:pic>
+        <p:nvPicPr>
+          <p:cNvPr id="6" name="Imagen 5"/>
+          <p:cNvPicPr>
+            <a:picLocks noChangeAspect="1"/>
+          </p:cNvPicPr>
+          <p:nvPr/>
+        </p:nvPicPr>
+        <p:blipFill>
+          <a:blip r:embed="rId3">
+            <a:extLst>
+              <a:ext uri="{28A0092B-C50C-407E-A947-70E740481C1C}">
+                <a14:useLocalDpi xmlns:a14="http://schemas.microsoft.com/office/drawing/2010/main" val="0"/>
+              </a:ext>
+            </a:extLst>
+          </a:blip>
+          <a:stretch>
+            <a:fillRect/>
+          </a:stretch>
+        </p:blipFill>
+        <p:spPr>
+          <a:xfrm>
+            <a:off x="7472772" y="1030596"/>
+            <a:ext cx="3370246" cy="5617078"/>
+          </a:xfrm>
+          <a:prstGeom prst="rect">
+            <a:avLst/>
+          </a:prstGeom>
+          <a:ln>
+            <a:noFill/>
+          </a:ln>
+          <a:effectLst>
+            <a:outerShdw blurRad="292100" dist="139700" dir="2700000" algn="tl" rotWithShape="0">
+              <a:srgbClr val="333333">
+                <a:alpha val="65000"/>
+              </a:srgbClr>
+            </a:outerShdw>
+          </a:effectLst>
+        </p:spPr>
+      </p:pic>
+    </p:spTree>
+    <p:extLst>
+      <p:ext uri="{BB962C8B-B14F-4D97-AF65-F5344CB8AC3E}">
+        <p14:creationId xmlns:p14="http://schemas.microsoft.com/office/powerpoint/2010/main" val="260071093"/>
+      </p:ext>
+    </p:extLst>
+  </p:cSld>
+  <p:clrMapOvr>
+    <a:masterClrMapping/>
+  </p:clrMapOvr>
+  <p:timing>
+    <p:tnLst>
+      <p:par>
+        <p:cTn id="1" dur="indefinite" restart="never" nodeType="tmRoot"/>
+      </p:par>
+    </p:tnLst>
+  </p:timing>
+</p:sld>
+</file>
+
+<file path=ppt/slides/slide4.xml><?xml version="1.0" encoding="utf-8"?>
+<p:sld xmlns:a="http://schemas.openxmlformats.org/drawingml/2006/main" xmlns:r="http://schemas.openxmlformats.org/officeDocument/2006/relationships" xmlns:p="http://schemas.openxmlformats.org/presentationml/2006/main">
+  <p:cSld>
+    <p:spTree>
+      <p:nvGrpSpPr>
+        <p:cNvPr id="1" name=""/>
+        <p:cNvGrpSpPr/>
+        <p:nvPr/>
+      </p:nvGrpSpPr>
+      <p:grpSpPr>
+        <a:xfrm>
+          <a:off x="0" y="0"/>
+          <a:ext cx="0" cy="0"/>
+          <a:chOff x="0" y="0"/>
+          <a:chExt cx="0" cy="0"/>
+        </a:xfrm>
+      </p:grpSpPr>
+      <p:sp>
+        <p:nvSpPr>
+          <p:cNvPr id="2" name="Título 1"/>
+          <p:cNvSpPr>
+            <a:spLocks noGrp="1"/>
+          </p:cNvSpPr>
+          <p:nvPr>
+            <p:ph type="title"/>
+          </p:nvPr>
+        </p:nvSpPr>
+        <p:spPr>
+          <a:xfrm>
+            <a:off x="1729055" y="106752"/>
+            <a:ext cx="8911687" cy="723427"/>
+          </a:xfrm>
+        </p:spPr>
+        <p:txBody>
+          <a:bodyPr/>
+          <a:lstStyle/>
+          <a:p>
+            <a:r>
+              <a:rPr lang="es-CO" dirty="0" smtClean="0"/>
+              <a:t>Consultar Programas – Redes sociales</a:t>
+            </a:r>
+            <a:endParaRPr lang="es-CO" dirty="0"/>
+          </a:p>
+        </p:txBody>
+      </p:sp>
+      <p:sp>
+        <p:nvSpPr>
+          <p:cNvPr id="3" name="Marcador de contenido 2"/>
+          <p:cNvSpPr>
+            <a:spLocks noGrp="1"/>
+          </p:cNvSpPr>
+          <p:nvPr>
+            <p:ph idx="1"/>
+          </p:nvPr>
+        </p:nvSpPr>
+        <p:spPr>
+          <a:xfrm>
+            <a:off x="1428007" y="1672390"/>
+            <a:ext cx="4202774" cy="2057398"/>
+          </a:xfrm>
+        </p:spPr>
+        <p:txBody>
+          <a:bodyPr>
+            <a:noAutofit/>
+          </a:bodyPr>
+          <a:lstStyle/>
+          <a:p>
+            <a:r>
+              <a:rPr lang="es-CO" sz="2800" dirty="0" smtClean="0"/>
+              <a:t>La aplicación permite compartir en Facebook y </a:t>
+            </a:r>
+            <a:r>
+              <a:rPr lang="es-CO" sz="2800" dirty="0" err="1" smtClean="0"/>
+              <a:t>Twitter</a:t>
+            </a:r>
+            <a:r>
+              <a:rPr lang="es-CO" sz="2800" dirty="0" smtClean="0"/>
+              <a:t>.</a:t>
+            </a:r>
+            <a:endParaRPr lang="es-CO" sz="2800" dirty="0"/>
+          </a:p>
+        </p:txBody>
+      </p:sp>
+      <p:pic>
+        <p:nvPicPr>
+          <p:cNvPr id="4" name="Imagen 3"/>
+          <p:cNvPicPr>
+            <a:picLocks noChangeAspect="1"/>
+          </p:cNvPicPr>
+          <p:nvPr/>
+        </p:nvPicPr>
+        <p:blipFill>
+          <a:blip r:embed="rId2">
+            <a:extLst>
+              <a:ext uri="{28A0092B-C50C-407E-A947-70E740481C1C}">
+                <a14:useLocalDpi xmlns:a14="http://schemas.microsoft.com/office/drawing/2010/main" val="0"/>
+              </a:ext>
+            </a:extLst>
+          </a:blip>
+          <a:stretch>
+            <a:fillRect/>
+          </a:stretch>
+        </p:blipFill>
+        <p:spPr>
+          <a:xfrm>
+            <a:off x="6035842" y="830179"/>
+            <a:ext cx="3517232" cy="5862054"/>
+          </a:xfrm>
+          <a:prstGeom prst="rect">
+            <a:avLst/>
+          </a:prstGeom>
+          <a:ln>
+            <a:noFill/>
+          </a:ln>
+          <a:effectLst>
+            <a:outerShdw blurRad="292100" dist="139700" dir="2700000" algn="tl" rotWithShape="0">
+              <a:srgbClr val="333333">
+                <a:alpha val="65000"/>
+              </a:srgbClr>
+            </a:outerShdw>
+          </a:effectLst>
+        </p:spPr>
+      </p:pic>
+    </p:spTree>
+    <p:extLst>
+      <p:ext uri="{BB962C8B-B14F-4D97-AF65-F5344CB8AC3E}">
+        <p14:creationId xmlns:p14="http://schemas.microsoft.com/office/powerpoint/2010/main" val="2285285812"/>
+      </p:ext>
+    </p:extLst>
+  </p:cSld>
+  <p:clrMapOvr>
+    <a:masterClrMapping/>
+  </p:clrMapOvr>
+  <p:timing>
+    <p:tnLst>
+      <p:par>
+        <p:cTn id="1" dur="indefinite" restart="never" nodeType="tmRoot"/>
+      </p:par>
+    </p:tnLst>
+  </p:timing>
+</p:sld>
+</file>
+
+<file path=ppt/slides/slide5.xml><?xml version="1.0" encoding="utf-8"?>
+<p:sld xmlns:a="http://schemas.openxmlformats.org/drawingml/2006/main" xmlns:r="http://schemas.openxmlformats.org/officeDocument/2006/relationships" xmlns:p="http://schemas.openxmlformats.org/presentationml/2006/main">
+  <p:cSld>
+    <p:spTree>
+      <p:nvGrpSpPr>
+        <p:cNvPr id="1" name=""/>
+        <p:cNvGrpSpPr/>
+        <p:nvPr/>
+      </p:nvGrpSpPr>
+      <p:grpSpPr>
+        <a:xfrm>
+          <a:off x="0" y="0"/>
+          <a:ext cx="0" cy="0"/>
+          <a:chOff x="0" y="0"/>
+          <a:chExt cx="0" cy="0"/>
+        </a:xfrm>
+      </p:grpSpPr>
+      <p:sp>
+        <p:nvSpPr>
+          <p:cNvPr id="2" name="Título 1"/>
+          <p:cNvSpPr>
+            <a:spLocks noGrp="1"/>
+          </p:cNvSpPr>
+          <p:nvPr>
+            <p:ph type="title"/>
+          </p:nvPr>
+        </p:nvSpPr>
+        <p:spPr>
+          <a:xfrm>
+            <a:off x="3497696" y="106752"/>
+            <a:ext cx="5213167" cy="723427"/>
+          </a:xfrm>
+        </p:spPr>
+        <p:txBody>
+          <a:bodyPr/>
+          <a:lstStyle/>
+          <a:p>
+            <a:r>
+              <a:rPr lang="es-CO" dirty="0" smtClean="0"/>
+              <a:t>Listado de entidades</a:t>
+            </a:r>
+            <a:endParaRPr lang="es-CO" dirty="0"/>
+          </a:p>
+        </p:txBody>
+      </p:sp>
+      <p:pic>
+        <p:nvPicPr>
+          <p:cNvPr id="5" name="Imagen 4"/>
+          <p:cNvPicPr>
+            <a:picLocks noChangeAspect="1"/>
+          </p:cNvPicPr>
+          <p:nvPr/>
+        </p:nvPicPr>
+        <p:blipFill>
+          <a:blip r:embed="rId2">
+            <a:extLst>
+              <a:ext uri="{28A0092B-C50C-407E-A947-70E740481C1C}">
+                <a14:useLocalDpi xmlns:a14="http://schemas.microsoft.com/office/drawing/2010/main" val="0"/>
+              </a:ext>
+            </a:extLst>
+          </a:blip>
+          <a:stretch>
+            <a:fillRect/>
+          </a:stretch>
+        </p:blipFill>
+        <p:spPr>
+          <a:xfrm>
+            <a:off x="1794167" y="923087"/>
+            <a:ext cx="3425792" cy="5709655"/>
+          </a:xfrm>
+          <a:prstGeom prst="rect">
+            <a:avLst/>
+          </a:prstGeom>
+          <a:ln>
+            <a:noFill/>
+          </a:ln>
+          <a:effectLst>
+            <a:outerShdw blurRad="292100" dist="139700" dir="2700000" algn="tl" rotWithShape="0">
+              <a:srgbClr val="333333">
+                <a:alpha val="65000"/>
+              </a:srgbClr>
+            </a:outerShdw>
+          </a:effectLst>
+        </p:spPr>
+      </p:pic>
+      <p:pic>
+        <p:nvPicPr>
+          <p:cNvPr id="6" name="Imagen 5"/>
+          <p:cNvPicPr>
+            <a:picLocks noChangeAspect="1"/>
+          </p:cNvPicPr>
+          <p:nvPr/>
+        </p:nvPicPr>
+        <p:blipFill>
+          <a:blip r:embed="rId3">
+            <a:extLst>
+              <a:ext uri="{28A0092B-C50C-407E-A947-70E740481C1C}">
+                <a14:useLocalDpi xmlns:a14="http://schemas.microsoft.com/office/drawing/2010/main" val="0"/>
+              </a:ext>
+            </a:extLst>
+          </a:blip>
+          <a:stretch>
+            <a:fillRect/>
+          </a:stretch>
+        </p:blipFill>
+        <p:spPr>
+          <a:xfrm>
+            <a:off x="7053711" y="923087"/>
+            <a:ext cx="3425793" cy="5709655"/>
+          </a:xfrm>
+          <a:prstGeom prst="rect">
+            <a:avLst/>
+          </a:prstGeom>
+          <a:ln>
+            <a:noFill/>
+          </a:ln>
+          <a:effectLst>
+            <a:outerShdw blurRad="292100" dist="139700" dir="2700000" algn="tl" rotWithShape="0">
+              <a:srgbClr val="333333">
+                <a:alpha val="65000"/>
+              </a:srgbClr>
+            </a:outerShdw>
+          </a:effectLst>
+        </p:spPr>
+      </p:pic>
+    </p:spTree>
+    <p:extLst>
+      <p:ext uri="{BB962C8B-B14F-4D97-AF65-F5344CB8AC3E}">
+        <p14:creationId xmlns:p14="http://schemas.microsoft.com/office/powerpoint/2010/main" val="3580555675"/>
       </p:ext>
     </p:extLst>
   </p:cSld>
@@ -9772,27 +9942,25 @@
         </p:nvSpPr>
         <p:spPr>
           <a:xfrm>
-            <a:off x="3460778" y="94226"/>
-            <a:ext cx="5545435" cy="723427"/>
-          </a:xfrm>
-        </p:spPr>
-        <p:txBody>
-          <a:bodyPr>
-            <a:normAutofit/>
-          </a:bodyPr>
+            <a:off x="2739708" y="130816"/>
+            <a:ext cx="7017903" cy="723427"/>
+          </a:xfrm>
+        </p:spPr>
+        <p:txBody>
+          <a:bodyPr/>
           <a:lstStyle/>
           <a:p>
             <a:r>
-              <a:rPr lang="es-CO" sz="4000" dirty="0" smtClean="0"/>
-              <a:t>Consultar Programas</a:t>
+              <a:rPr lang="es-CO" dirty="0" smtClean="0"/>
+              <a:t>¿Soy víctima? – ABC de la ley</a:t>
             </a:r>
-            <a:endParaRPr lang="es-CO" sz="4000" dirty="0"/>
+            <a:endParaRPr lang="es-CO" dirty="0"/>
           </a:p>
         </p:txBody>
       </p:sp>
       <p:pic>
         <p:nvPicPr>
-          <p:cNvPr id="5" name="Imagen 4"/>
+          <p:cNvPr id="4" name="Imagen 3"/>
           <p:cNvPicPr>
             <a:picLocks noChangeAspect="1"/>
           </p:cNvPicPr>
@@ -9812,8 +9980,8 @@
         </p:blipFill>
         <p:spPr>
           <a:xfrm>
-            <a:off x="1841241" y="1030596"/>
-            <a:ext cx="3370246" cy="5617078"/>
+            <a:off x="1729055" y="1045980"/>
+            <a:ext cx="3324208" cy="5540347"/>
           </a:xfrm>
           <a:prstGeom prst="rect">
             <a:avLst/>
@@ -9832,7 +10000,7 @@
       </p:pic>
       <p:pic>
         <p:nvPicPr>
-          <p:cNvPr id="6" name="Imagen 5"/>
+          <p:cNvPr id="7" name="Imagen 6"/>
           <p:cNvPicPr>
             <a:picLocks noChangeAspect="1"/>
           </p:cNvPicPr>
@@ -9852,8 +10020,8 @@
         </p:blipFill>
         <p:spPr>
           <a:xfrm>
-            <a:off x="7472772" y="1030596"/>
-            <a:ext cx="3370246" cy="5617078"/>
+            <a:off x="6714288" y="1045980"/>
+            <a:ext cx="3320049" cy="5533415"/>
           </a:xfrm>
           <a:prstGeom prst="rect">
             <a:avLst/>
@@ -9873,7 +10041,7 @@
     </p:spTree>
     <p:extLst>
       <p:ext uri="{BB962C8B-B14F-4D97-AF65-F5344CB8AC3E}">
-        <p14:creationId xmlns:p14="http://schemas.microsoft.com/office/powerpoint/2010/main" val="260071093"/>
+        <p14:creationId xmlns:p14="http://schemas.microsoft.com/office/powerpoint/2010/main" val="4237243474"/>
       </p:ext>
     </p:extLst>
   </p:cSld>
@@ -9919,8 +10087,8 @@
         </p:nvSpPr>
         <p:spPr>
           <a:xfrm>
-            <a:off x="1729055" y="106752"/>
-            <a:ext cx="8911687" cy="723427"/>
+            <a:off x="4027087" y="0"/>
+            <a:ext cx="4849310" cy="723427"/>
           </a:xfrm>
         </p:spPr>
         <p:txBody>
@@ -9929,53 +10097,15 @@
           <a:p>
             <a:r>
               <a:rPr lang="es-CO" dirty="0" smtClean="0"/>
-              <a:t>Consultar Programas – Redes sociales</a:t>
+              <a:t>Puntos de atención</a:t>
             </a:r>
             <a:endParaRPr lang="es-CO" dirty="0"/>
           </a:p>
         </p:txBody>
       </p:sp>
-      <p:sp>
-        <p:nvSpPr>
-          <p:cNvPr id="3" name="Marcador de contenido 2"/>
-          <p:cNvSpPr>
-            <a:spLocks noGrp="1"/>
-          </p:cNvSpPr>
-          <p:nvPr>
-            <p:ph idx="1"/>
-          </p:nvPr>
-        </p:nvSpPr>
-        <p:spPr>
-          <a:xfrm>
-            <a:off x="1428007" y="1672390"/>
-            <a:ext cx="4202774" cy="2057398"/>
-          </a:xfrm>
-        </p:spPr>
-        <p:txBody>
-          <a:bodyPr>
-            <a:noAutofit/>
-          </a:bodyPr>
-          <a:lstStyle/>
-          <a:p>
-            <a:r>
-              <a:rPr lang="es-CO" sz="2800" dirty="0" smtClean="0"/>
-              <a:t>La aplicación permite compartir en Facebook y </a:t>
-            </a:r>
-            <a:r>
-              <a:rPr lang="es-CO" sz="2800" dirty="0" err="1" smtClean="0"/>
-              <a:t>Twitter</a:t>
-            </a:r>
-            <a:r>
-              <a:rPr lang="es-CO" sz="2800" dirty="0" smtClean="0"/>
-              <a:t>.</a:t>
-            </a:r>
-            <a:endParaRPr lang="es-CO" sz="2800" dirty="0"/>
-          </a:p>
-        </p:txBody>
-      </p:sp>
       <p:pic>
         <p:nvPicPr>
-          <p:cNvPr id="4" name="Imagen 3"/>
+          <p:cNvPr id="5" name="Imagen 4"/>
           <p:cNvPicPr>
             <a:picLocks noChangeAspect="1"/>
           </p:cNvPicPr>
@@ -9995,8 +10125,8 @@
         </p:blipFill>
         <p:spPr>
           <a:xfrm>
-            <a:off x="6035842" y="830179"/>
-            <a:ext cx="3517232" cy="5862054"/>
+            <a:off x="2130054" y="758942"/>
+            <a:ext cx="3585349" cy="5975581"/>
           </a:xfrm>
           <a:prstGeom prst="rect">
             <a:avLst/>
@@ -10013,10 +10143,50 @@
           </a:effectLst>
         </p:spPr>
       </p:pic>
+      <p:pic>
+        <p:nvPicPr>
+          <p:cNvPr id="6" name="Imagen 5"/>
+          <p:cNvPicPr>
+            <a:picLocks noChangeAspect="1"/>
+          </p:cNvPicPr>
+          <p:nvPr/>
+        </p:nvPicPr>
+        <p:blipFill>
+          <a:blip r:embed="rId3">
+            <a:extLst>
+              <a:ext uri="{28A0092B-C50C-407E-A947-70E740481C1C}">
+                <a14:useLocalDpi xmlns:a14="http://schemas.microsoft.com/office/drawing/2010/main" val="0"/>
+              </a:ext>
+            </a:extLst>
+          </a:blip>
+          <a:stretch>
+            <a:fillRect/>
+          </a:stretch>
+        </p:blipFill>
+        <p:spPr>
+          <a:xfrm>
+            <a:off x="7403720" y="723427"/>
+            <a:ext cx="3606658" cy="6011096"/>
+          </a:xfrm>
+          <a:prstGeom prst="rect">
+            <a:avLst/>
+          </a:prstGeom>
+          <a:ln>
+            <a:noFill/>
+          </a:ln>
+          <a:effectLst>
+            <a:outerShdw blurRad="292100" dist="139700" dir="2700000" algn="tl" rotWithShape="0">
+              <a:srgbClr val="333333">
+                <a:alpha val="65000"/>
+              </a:srgbClr>
+            </a:outerShdw>
+          </a:effectLst>
+        </p:spPr>
+      </p:pic>
     </p:spTree>
     <p:extLst>
       <p:ext uri="{BB962C8B-B14F-4D97-AF65-F5344CB8AC3E}">
-        <p14:creationId xmlns:p14="http://schemas.microsoft.com/office/powerpoint/2010/main" val="2285285812"/>
+        <p14:creationId xmlns:p14="http://schemas.microsoft.com/office/powerpoint/2010/main" val="2196465921"/>
       </p:ext>
     </p:extLst>
   </p:cSld>
@@ -10062,8 +10232,8 @@
         </p:nvSpPr>
         <p:spPr>
           <a:xfrm>
-            <a:off x="3497696" y="106752"/>
-            <a:ext cx="5213167" cy="723427"/>
+            <a:off x="4163444" y="106752"/>
+            <a:ext cx="4322829" cy="723427"/>
           </a:xfrm>
         </p:spPr>
         <p:txBody>
@@ -10072,7 +10242,7 @@
           <a:p>
             <a:r>
               <a:rPr lang="es-CO" dirty="0" smtClean="0"/>
-              <a:t>Listado de entidades</a:t>
+              <a:t>Noticias y Eventos</a:t>
             </a:r>
             <a:endParaRPr lang="es-CO" dirty="0"/>
           </a:p>
@@ -10080,7 +10250,7 @@
       </p:sp>
       <p:pic>
         <p:nvPicPr>
-          <p:cNvPr id="5" name="Imagen 4"/>
+          <p:cNvPr id="4" name="Imagen 3"/>
           <p:cNvPicPr>
             <a:picLocks noChangeAspect="1"/>
           </p:cNvPicPr>
@@ -10100,8 +10270,8 @@
         </p:blipFill>
         <p:spPr>
           <a:xfrm>
-            <a:off x="1794167" y="923087"/>
-            <a:ext cx="3425792" cy="5709655"/>
+            <a:off x="1729055" y="830179"/>
+            <a:ext cx="3465095" cy="5775158"/>
           </a:xfrm>
           <a:prstGeom prst="rect">
             <a:avLst/>
@@ -10140,8 +10310,8 @@
         </p:blipFill>
         <p:spPr>
           <a:xfrm>
-            <a:off x="7053711" y="923087"/>
-            <a:ext cx="3425793" cy="5709655"/>
+            <a:off x="6757736" y="830179"/>
+            <a:ext cx="3457075" cy="5761791"/>
           </a:xfrm>
           <a:prstGeom prst="rect">
             <a:avLst/>
@@ -10161,7 +10331,7 @@
     </p:spTree>
     <p:extLst>
       <p:ext uri="{BB962C8B-B14F-4D97-AF65-F5344CB8AC3E}">
-        <p14:creationId xmlns:p14="http://schemas.microsoft.com/office/powerpoint/2010/main" val="3580555675"/>
+        <p14:creationId xmlns:p14="http://schemas.microsoft.com/office/powerpoint/2010/main" val="709107406"/>
       </p:ext>
     </p:extLst>
   </p:cSld>
@@ -10207,8 +10377,8 @@
         </p:nvSpPr>
         <p:spPr>
           <a:xfrm>
-            <a:off x="2739708" y="130816"/>
-            <a:ext cx="7017903" cy="723427"/>
+            <a:off x="1729055" y="106752"/>
+            <a:ext cx="8911687" cy="723427"/>
           </a:xfrm>
         </p:spPr>
         <p:txBody>
@@ -10217,15 +10387,45 @@
           <a:p>
             <a:r>
               <a:rPr lang="es-CO" dirty="0" smtClean="0"/>
-              <a:t>¿Soy víctima? – ABC de la ley</a:t>
+              <a:t>Acerca de</a:t>
             </a:r>
             <a:endParaRPr lang="es-CO" dirty="0"/>
           </a:p>
         </p:txBody>
       </p:sp>
+      <p:sp>
+        <p:nvSpPr>
+          <p:cNvPr id="3" name="Marcador de contenido 2"/>
+          <p:cNvSpPr>
+            <a:spLocks noGrp="1"/>
+          </p:cNvSpPr>
+          <p:nvPr>
+            <p:ph idx="1"/>
+          </p:nvPr>
+        </p:nvSpPr>
+        <p:spPr>
+          <a:xfrm>
+            <a:off x="1557878" y="2012959"/>
+            <a:ext cx="4755240" cy="1080970"/>
+          </a:xfrm>
+        </p:spPr>
+        <p:txBody>
+          <a:bodyPr>
+            <a:noAutofit/>
+          </a:bodyPr>
+          <a:lstStyle/>
+          <a:p>
+            <a:r>
+              <a:rPr lang="es-CO" sz="3200" dirty="0" smtClean="0"/>
+              <a:t>Información general</a:t>
+            </a:r>
+            <a:endParaRPr lang="es-CO" sz="3200" dirty="0"/>
+          </a:p>
+        </p:txBody>
+      </p:sp>
       <p:pic>
         <p:nvPicPr>
-          <p:cNvPr id="4" name="Imagen 3"/>
+          <p:cNvPr id="5" name="Imagen 4"/>
           <p:cNvPicPr>
             <a:picLocks noChangeAspect="1"/>
           </p:cNvPicPr>
@@ -10245,8 +10445,8 @@
         </p:blipFill>
         <p:spPr>
           <a:xfrm>
-            <a:off x="1729055" y="1045980"/>
-            <a:ext cx="3324208" cy="5540347"/>
+            <a:off x="7024049" y="468465"/>
+            <a:ext cx="3616693" cy="6027821"/>
           </a:xfrm>
           <a:prstGeom prst="rect">
             <a:avLst/>
@@ -10265,48 +10465,31 @@
       </p:pic>
       <p:pic>
         <p:nvPicPr>
-          <p:cNvPr id="7" name="Imagen 6"/>
+          <p:cNvPr id="11" name="Imagen 10"/>
           <p:cNvPicPr>
             <a:picLocks noChangeAspect="1"/>
           </p:cNvPicPr>
           <p:nvPr/>
         </p:nvPicPr>
-        <p:blipFill>
-          <a:blip r:embed="rId3">
-            <a:extLst>
-              <a:ext uri="{28A0092B-C50C-407E-A947-70E740481C1C}">
-                <a14:useLocalDpi xmlns:a14="http://schemas.microsoft.com/office/drawing/2010/main" val="0"/>
-              </a:ext>
-            </a:extLst>
-          </a:blip>
-          <a:stretch>
-            <a:fillRect/>
-          </a:stretch>
+        <p:blipFill rotWithShape="1">
+          <a:blip r:embed="rId3"/>
+          <a:srcRect r="1543"/>
+          <a:stretch/>
         </p:blipFill>
         <p:spPr>
           <a:xfrm>
-            <a:off x="6714288" y="1045980"/>
-            <a:ext cx="3320049" cy="5533415"/>
+            <a:off x="7012017" y="1368852"/>
+            <a:ext cx="3623899" cy="5127433"/>
           </a:xfrm>
           <a:prstGeom prst="rect">
             <a:avLst/>
           </a:prstGeom>
-          <a:ln>
-            <a:noFill/>
-          </a:ln>
-          <a:effectLst>
-            <a:outerShdw blurRad="292100" dist="139700" dir="2700000" algn="tl" rotWithShape="0">
-              <a:srgbClr val="333333">
-                <a:alpha val="65000"/>
-              </a:srgbClr>
-            </a:outerShdw>
-          </a:effectLst>
         </p:spPr>
       </p:pic>
     </p:spTree>
     <p:extLst>
       <p:ext uri="{BB962C8B-B14F-4D97-AF65-F5344CB8AC3E}">
-        <p14:creationId xmlns:p14="http://schemas.microsoft.com/office/powerpoint/2010/main" val="4237243474"/>
+        <p14:creationId xmlns:p14="http://schemas.microsoft.com/office/powerpoint/2010/main" val="1271918732"/>
       </p:ext>
     </p:extLst>
   </p:cSld>
